--- a/tortuga bay 0.2.pptx
+++ b/tortuga bay 0.2.pptx
@@ -5,10 +5,10 @@
     <p:sldMasterId id="2147483648" r:id="rId1"/>
   </p:sldMasterIdLst>
   <p:notesMasterIdLst>
-    <p:notesMasterId r:id="rId20"/>
+    <p:notesMasterId r:id="rId21"/>
   </p:notesMasterIdLst>
   <p:handoutMasterIdLst>
-    <p:handoutMasterId r:id="rId21"/>
+    <p:handoutMasterId r:id="rId22"/>
   </p:handoutMasterIdLst>
   <p:sldIdLst>
     <p:sldId id="256" r:id="rId2"/>
@@ -20,15 +20,16 @@
     <p:sldId id="271" r:id="rId8"/>
     <p:sldId id="275" r:id="rId9"/>
     <p:sldId id="272" r:id="rId10"/>
-    <p:sldId id="273" r:id="rId11"/>
-    <p:sldId id="274" r:id="rId12"/>
-    <p:sldId id="276" r:id="rId13"/>
-    <p:sldId id="277" r:id="rId14"/>
-    <p:sldId id="278" r:id="rId15"/>
-    <p:sldId id="279" r:id="rId16"/>
-    <p:sldId id="280" r:id="rId17"/>
-    <p:sldId id="281" r:id="rId18"/>
-    <p:sldId id="282" r:id="rId19"/>
+    <p:sldId id="286" r:id="rId11"/>
+    <p:sldId id="273" r:id="rId12"/>
+    <p:sldId id="274" r:id="rId13"/>
+    <p:sldId id="276" r:id="rId14"/>
+    <p:sldId id="277" r:id="rId15"/>
+    <p:sldId id="278" r:id="rId16"/>
+    <p:sldId id="279" r:id="rId17"/>
+    <p:sldId id="280" r:id="rId18"/>
+    <p:sldId id="281" r:id="rId19"/>
+    <p:sldId id="282" r:id="rId20"/>
   </p:sldIdLst>
   <p:sldSz cx="9144000" cy="6858000" type="screen4x3"/>
   <p:notesSz cx="6797675" cy="9874250"/>
@@ -289,7 +290,7 @@
     </p:spTree>
     <p:extLst>
       <p:ext uri="{BB962C8B-B14F-4D97-AF65-F5344CB8AC3E}">
-        <p14:creationId xmlns:p14="http://schemas.microsoft.com/office/powerpoint/2010/main" xmlns="" val="2213009851"/>
+        <p14:creationId xmlns="" xmlns:p14="http://schemas.microsoft.com/office/powerpoint/2010/main" val="2213009851"/>
       </p:ext>
     </p:extLst>
   </p:cSld>
@@ -550,7 +551,7 @@
     </p:spTree>
     <p:extLst>
       <p:ext uri="{BB962C8B-B14F-4D97-AF65-F5344CB8AC3E}">
-        <p14:creationId xmlns:p14="http://schemas.microsoft.com/office/powerpoint/2010/main" xmlns="" val="2501243732"/>
+        <p14:creationId xmlns="" xmlns:p14="http://schemas.microsoft.com/office/powerpoint/2010/main" val="2501243732"/>
       </p:ext>
     </p:extLst>
   </p:cSld>
@@ -851,7 +852,7 @@
     </p:spTree>
     <p:extLst>
       <p:ext uri="{BB962C8B-B14F-4D97-AF65-F5344CB8AC3E}">
-        <p14:creationId xmlns:p14="http://schemas.microsoft.com/office/powerpoint/2010/main" xmlns="" val="2070404567"/>
+        <p14:creationId xmlns="" xmlns:p14="http://schemas.microsoft.com/office/powerpoint/2010/main" val="2070404567"/>
       </p:ext>
     </p:extLst>
   </p:cSld>
@@ -1033,7 +1034,7 @@
     </p:spTree>
     <p:extLst>
       <p:ext uri="{BB962C8B-B14F-4D97-AF65-F5344CB8AC3E}">
-        <p14:creationId xmlns:p14="http://schemas.microsoft.com/office/powerpoint/2010/main" xmlns="" val="2365711366"/>
+        <p14:creationId xmlns="" xmlns:p14="http://schemas.microsoft.com/office/powerpoint/2010/main" val="2365711366"/>
       </p:ext>
     </p:extLst>
   </p:cSld>
@@ -1218,7 +1219,7 @@
     </p:spTree>
     <p:extLst>
       <p:ext uri="{BB962C8B-B14F-4D97-AF65-F5344CB8AC3E}">
-        <p14:creationId xmlns:p14="http://schemas.microsoft.com/office/powerpoint/2010/main" xmlns="" val="707905946"/>
+        <p14:creationId xmlns="" xmlns:p14="http://schemas.microsoft.com/office/powerpoint/2010/main" val="707905946"/>
       </p:ext>
     </p:extLst>
   </p:cSld>
@@ -1393,7 +1394,7 @@
     </p:spTree>
     <p:extLst>
       <p:ext uri="{BB962C8B-B14F-4D97-AF65-F5344CB8AC3E}">
-        <p14:creationId xmlns:p14="http://schemas.microsoft.com/office/powerpoint/2010/main" xmlns="" val="1869324206"/>
+        <p14:creationId xmlns="" xmlns:p14="http://schemas.microsoft.com/office/powerpoint/2010/main" val="1869324206"/>
       </p:ext>
     </p:extLst>
   </p:cSld>
@@ -1644,7 +1645,7 @@
     </p:spTree>
     <p:extLst>
       <p:ext uri="{BB962C8B-B14F-4D97-AF65-F5344CB8AC3E}">
-        <p14:creationId xmlns:p14="http://schemas.microsoft.com/office/powerpoint/2010/main" xmlns="" val="4219159056"/>
+        <p14:creationId xmlns="" xmlns:p14="http://schemas.microsoft.com/office/powerpoint/2010/main" val="4219159056"/>
       </p:ext>
     </p:extLst>
   </p:cSld>
@@ -1937,7 +1938,7 @@
     </p:spTree>
     <p:extLst>
       <p:ext uri="{BB962C8B-B14F-4D97-AF65-F5344CB8AC3E}">
-        <p14:creationId xmlns:p14="http://schemas.microsoft.com/office/powerpoint/2010/main" xmlns="" val="1106473477"/>
+        <p14:creationId xmlns="" xmlns:p14="http://schemas.microsoft.com/office/powerpoint/2010/main" val="1106473477"/>
       </p:ext>
     </p:extLst>
   </p:cSld>
@@ -2364,7 +2365,7 @@
     </p:spTree>
     <p:extLst>
       <p:ext uri="{BB962C8B-B14F-4D97-AF65-F5344CB8AC3E}">
-        <p14:creationId xmlns:p14="http://schemas.microsoft.com/office/powerpoint/2010/main" xmlns="" val="2304094589"/>
+        <p14:creationId xmlns="" xmlns:p14="http://schemas.microsoft.com/office/powerpoint/2010/main" val="2304094589"/>
       </p:ext>
     </p:extLst>
   </p:cSld>
@@ -2487,7 +2488,7 @@
     </p:spTree>
     <p:extLst>
       <p:ext uri="{BB962C8B-B14F-4D97-AF65-F5344CB8AC3E}">
-        <p14:creationId xmlns:p14="http://schemas.microsoft.com/office/powerpoint/2010/main" xmlns="" val="1861322463"/>
+        <p14:creationId xmlns="" xmlns:p14="http://schemas.microsoft.com/office/powerpoint/2010/main" val="1861322463"/>
       </p:ext>
     </p:extLst>
   </p:cSld>
@@ -2587,7 +2588,7 @@
     </p:spTree>
     <p:extLst>
       <p:ext uri="{BB962C8B-B14F-4D97-AF65-F5344CB8AC3E}">
-        <p14:creationId xmlns:p14="http://schemas.microsoft.com/office/powerpoint/2010/main" xmlns="" val="1290982777"/>
+        <p14:creationId xmlns="" xmlns:p14="http://schemas.microsoft.com/office/powerpoint/2010/main" val="1290982777"/>
       </p:ext>
     </p:extLst>
   </p:cSld>
@@ -2869,7 +2870,7 @@
     </p:spTree>
     <p:extLst>
       <p:ext uri="{BB962C8B-B14F-4D97-AF65-F5344CB8AC3E}">
-        <p14:creationId xmlns:p14="http://schemas.microsoft.com/office/powerpoint/2010/main" xmlns="" val="1936420163"/>
+        <p14:creationId xmlns="" xmlns:p14="http://schemas.microsoft.com/office/powerpoint/2010/main" val="1936420163"/>
       </p:ext>
     </p:extLst>
   </p:cSld>
@@ -3127,7 +3128,7 @@
     </p:spTree>
     <p:extLst>
       <p:ext uri="{BB962C8B-B14F-4D97-AF65-F5344CB8AC3E}">
-        <p14:creationId xmlns:p14="http://schemas.microsoft.com/office/powerpoint/2010/main" xmlns="" val="3541544067"/>
+        <p14:creationId xmlns="" xmlns:p14="http://schemas.microsoft.com/office/powerpoint/2010/main" val="3541544067"/>
       </p:ext>
     </p:extLst>
   </p:cSld>
@@ -3411,7 +3412,7 @@
               </a:duotone>
               <a:extLst>
                 <a:ext uri="{BEBA8EAE-BF5A-486C-A8C5-ECC9F3942E4B}">
-                  <a14:imgProps xmlns:a14="http://schemas.microsoft.com/office/drawing/2010/main" xmlns="">
+                  <a14:imgProps xmlns="" xmlns:a14="http://schemas.microsoft.com/office/drawing/2010/main">
                     <a14:imgLayer r:embed="rId14">
                       <a14:imgEffect>
                         <a14:saturation sat="0"/>
@@ -3420,7 +3421,7 @@
                   </a14:imgProps>
                 </a:ext>
                 <a:ext uri="{28A0092B-C50C-407E-A947-70E740481C1C}">
-                  <a14:useLocalDpi xmlns:a14="http://schemas.microsoft.com/office/drawing/2010/main" xmlns="" val="0"/>
+                  <a14:useLocalDpi xmlns="" xmlns:a14="http://schemas.microsoft.com/office/drawing/2010/main" val="0"/>
                 </a:ext>
               </a:extLst>
             </a:blip>
@@ -3450,7 +3451,7 @@
             <a:blip r:embed="rId15" cstate="print">
               <a:extLst>
                 <a:ext uri="{28A0092B-C50C-407E-A947-70E740481C1C}">
-                  <a14:useLocalDpi xmlns:a14="http://schemas.microsoft.com/office/drawing/2010/main" xmlns="" val="0"/>
+                  <a14:useLocalDpi xmlns="" xmlns:a14="http://schemas.microsoft.com/office/drawing/2010/main" val="0"/>
                 </a:ext>
               </a:extLst>
             </a:blip>
@@ -3472,7 +3473,7 @@
     </p:spTree>
     <p:extLst>
       <p:ext uri="{BB962C8B-B14F-4D97-AF65-F5344CB8AC3E}">
-        <p14:creationId xmlns:p14="http://schemas.microsoft.com/office/powerpoint/2010/main" xmlns="" val="3586662826"/>
+        <p14:creationId xmlns="" xmlns:p14="http://schemas.microsoft.com/office/powerpoint/2010/main" val="3586662826"/>
       </p:ext>
     </p:extLst>
   </p:cSld>
@@ -3942,7 +3943,7 @@
             <a:blip r:embed="rId2" cstate="print">
               <a:extLst>
                 <a:ext uri="{28A0092B-C50C-407E-A947-70E740481C1C}">
-                  <a14:useLocalDpi xmlns:a14="http://schemas.microsoft.com/office/drawing/2010/main" xmlns="" val="0"/>
+                  <a14:useLocalDpi xmlns="" xmlns:a14="http://schemas.microsoft.com/office/drawing/2010/main" val="0"/>
                 </a:ext>
               </a:extLst>
             </a:blip>
@@ -4161,27 +4162,7 @@
                   <a:latin typeface="-윤고딕330" pitchFamily="18" charset="-127"/>
                   <a:ea typeface="-윤고딕330" pitchFamily="18" charset="-127"/>
                 </a:rPr>
-                <a:t>Project Manager </a:t>
-              </a:r>
-              <a:r>
-                <a:rPr lang="en-US" altLang="ko-KR" sz="1400" dirty="0" smtClean="0">
-                  <a:ln>
-                    <a:solidFill>
-                      <a:schemeClr val="bg1">
-                        <a:alpha val="0"/>
-                      </a:schemeClr>
-                    </a:solidFill>
-                  </a:ln>
-                  <a:solidFill>
-                    <a:schemeClr val="tx1">
-                      <a:lumMod val="75000"/>
-                      <a:lumOff val="25000"/>
-                    </a:schemeClr>
-                  </a:solidFill>
-                  <a:latin typeface="-윤고딕330" pitchFamily="18" charset="-127"/>
-                  <a:ea typeface="-윤고딕330" pitchFamily="18" charset="-127"/>
-                </a:rPr>
-                <a:t>  –  </a:t>
+                <a:t>Project Manager   –  </a:t>
               </a:r>
               <a:r>
                 <a:rPr lang="ko-KR" altLang="en-US" sz="1600" dirty="0" smtClean="0">
@@ -4242,7 +4223,7 @@
               </a:duotone>
               <a:extLst>
                 <a:ext uri="{28A0092B-C50C-407E-A947-70E740481C1C}">
-                  <a14:useLocalDpi xmlns:a14="http://schemas.microsoft.com/office/drawing/2010/main" xmlns="" val="0"/>
+                  <a14:useLocalDpi xmlns="" xmlns:a14="http://schemas.microsoft.com/office/drawing/2010/main" val="0"/>
                 </a:ext>
               </a:extLst>
             </a:blip>
@@ -4306,27 +4287,7 @@
                 <a:latin typeface="-윤고딕330" pitchFamily="18" charset="-127"/>
                 <a:ea typeface="-윤고딕330" pitchFamily="18" charset="-127"/>
               </a:rPr>
-              <a:t>이 </a:t>
-            </a:r>
-            <a:r>
-              <a:rPr lang="ko-KR" altLang="en-US" sz="1600" dirty="0" smtClean="0">
-                <a:ln>
-                  <a:solidFill>
-                    <a:schemeClr val="bg1">
-                      <a:alpha val="0"/>
-                    </a:schemeClr>
-                  </a:solidFill>
-                </a:ln>
-                <a:solidFill>
-                  <a:schemeClr val="tx1">
-                    <a:lumMod val="75000"/>
-                    <a:lumOff val="25000"/>
-                  </a:schemeClr>
-                </a:solidFill>
-                <a:latin typeface="-윤고딕330" pitchFamily="18" charset="-127"/>
-                <a:ea typeface="-윤고딕330" pitchFamily="18" charset="-127"/>
-              </a:rPr>
-              <a:t>가을</a:t>
+              <a:t>이 가을</a:t>
             </a:r>
             <a:endParaRPr lang="en-US" altLang="ko-KR" sz="1600" dirty="0" smtClean="0">
               <a:ln>
@@ -4370,27 +4331,7 @@
                 <a:latin typeface="-윤고딕330" pitchFamily="18" charset="-127"/>
                 <a:ea typeface="-윤고딕330" pitchFamily="18" charset="-127"/>
               </a:rPr>
-              <a:t>이 </a:t>
-            </a:r>
-            <a:r>
-              <a:rPr lang="ko-KR" altLang="en-US" sz="1600" dirty="0" smtClean="0">
-                <a:ln>
-                  <a:solidFill>
-                    <a:schemeClr val="bg1">
-                      <a:alpha val="0"/>
-                    </a:schemeClr>
-                  </a:solidFill>
-                </a:ln>
-                <a:solidFill>
-                  <a:schemeClr val="tx1">
-                    <a:lumMod val="75000"/>
-                    <a:lumOff val="25000"/>
-                  </a:schemeClr>
-                </a:solidFill>
-                <a:latin typeface="-윤고딕330" pitchFamily="18" charset="-127"/>
-                <a:ea typeface="-윤고딕330" pitchFamily="18" charset="-127"/>
-              </a:rPr>
-              <a:t>윤희</a:t>
+              <a:t>이 윤희</a:t>
             </a:r>
             <a:endParaRPr lang="ko-KR" altLang="en-US" sz="1600" dirty="0">
               <a:ln>
@@ -4415,7 +4356,7 @@
     </p:spTree>
     <p:extLst>
       <p:ext uri="{BB962C8B-B14F-4D97-AF65-F5344CB8AC3E}">
-        <p14:creationId xmlns:p14="http://schemas.microsoft.com/office/powerpoint/2010/main" xmlns="" val="3658200479"/>
+        <p14:creationId xmlns="" xmlns:p14="http://schemas.microsoft.com/office/powerpoint/2010/main" val="3658200479"/>
       </p:ext>
     </p:extLst>
   </p:cSld>
@@ -4436,268 +4377,6 @@
 </file>
 
 <file path=ppt/slides/slide10.xml><?xml version="1.0" encoding="utf-8"?>
-<p:sld xmlns:a="http://schemas.openxmlformats.org/drawingml/2006/main" xmlns:r="http://schemas.openxmlformats.org/officeDocument/2006/relationships" xmlns:p="http://schemas.openxmlformats.org/presentationml/2006/main">
-  <p:cSld>
-    <p:spTree>
-      <p:nvGrpSpPr>
-        <p:cNvPr id="1" name=""/>
-        <p:cNvGrpSpPr/>
-        <p:nvPr/>
-      </p:nvGrpSpPr>
-      <p:grpSpPr>
-        <a:xfrm>
-          <a:off x="0" y="0"/>
-          <a:ext cx="0" cy="0"/>
-          <a:chOff x="0" y="0"/>
-          <a:chExt cx="0" cy="0"/>
-        </a:xfrm>
-      </p:grpSpPr>
-      <p:sp>
-        <p:nvSpPr>
-          <p:cNvPr id="4" name="슬라이드 번호 개체 틀 3"/>
-          <p:cNvSpPr>
-            <a:spLocks noGrp="1"/>
-          </p:cNvSpPr>
-          <p:nvPr>
-            <p:ph type="sldNum" sz="quarter" idx="12"/>
-          </p:nvPr>
-        </p:nvSpPr>
-        <p:spPr/>
-        <p:txBody>
-          <a:bodyPr/>
-          <a:lstStyle/>
-          <a:p>
-            <a:fld id="{6077AF18-BF2E-40A5-AFCC-D5AE0C2FE057}" type="slidenum">
-              <a:rPr lang="ko-KR" altLang="en-US" smtClean="0"/>
-              <a:pPr/>
-              <a:t>10</a:t>
-            </a:fld>
-            <a:endParaRPr lang="ko-KR" altLang="en-US" dirty="0"/>
-          </a:p>
-        </p:txBody>
-      </p:sp>
-      <p:sp>
-        <p:nvSpPr>
-          <p:cNvPr id="5" name="TextBox 4"/>
-          <p:cNvSpPr txBox="1"/>
-          <p:nvPr/>
-        </p:nvSpPr>
-        <p:spPr>
-          <a:xfrm>
-            <a:off x="359869" y="332656"/>
-            <a:ext cx="3640740" cy="646331"/>
-          </a:xfrm>
-          <a:prstGeom prst="rect">
-            <a:avLst/>
-          </a:prstGeom>
-          <a:noFill/>
-        </p:spPr>
-        <p:txBody>
-          <a:bodyPr wrap="none" rtlCol="0">
-            <a:spAutoFit/>
-          </a:bodyPr>
-          <a:lstStyle/>
-          <a:p>
-            <a:r>
-              <a:rPr lang="en-US" altLang="ko-KR" sz="3600" dirty="0" smtClean="0">
-                <a:ln>
-                  <a:solidFill>
-                    <a:schemeClr val="bg1">
-                      <a:alpha val="0"/>
-                    </a:schemeClr>
-                  </a:solidFill>
-                </a:ln>
-                <a:solidFill>
-                  <a:schemeClr val="accent6">
-                    <a:lumMod val="50000"/>
-                  </a:schemeClr>
-                </a:solidFill>
-                <a:latin typeface="-윤고딕330" pitchFamily="18" charset="-127"/>
-                <a:ea typeface="-윤고딕330" pitchFamily="18" charset="-127"/>
-              </a:rPr>
-              <a:t>1.3 </a:t>
-            </a:r>
-            <a:r>
-              <a:rPr lang="ko-KR" altLang="en-US" sz="3600" dirty="0" smtClean="0">
-                <a:ln>
-                  <a:solidFill>
-                    <a:schemeClr val="bg1">
-                      <a:alpha val="0"/>
-                    </a:schemeClr>
-                  </a:solidFill>
-                </a:ln>
-                <a:solidFill>
-                  <a:schemeClr val="accent6">
-                    <a:lumMod val="50000"/>
-                  </a:schemeClr>
-                </a:solidFill>
-                <a:latin typeface="-윤고딕330" pitchFamily="18" charset="-127"/>
-                <a:ea typeface="-윤고딕330" pitchFamily="18" charset="-127"/>
-              </a:rPr>
-              <a:t>소재 및 배경</a:t>
-            </a:r>
-            <a:endParaRPr lang="ko-KR" altLang="en-US" sz="2000" dirty="0">
-              <a:ln>
-                <a:solidFill>
-                  <a:schemeClr val="bg1">
-                    <a:alpha val="0"/>
-                  </a:schemeClr>
-                </a:solidFill>
-              </a:ln>
-              <a:solidFill>
-                <a:schemeClr val="accent6">
-                  <a:lumMod val="50000"/>
-                </a:schemeClr>
-              </a:solidFill>
-              <a:latin typeface="-윤고딕330" pitchFamily="18" charset="-127"/>
-              <a:ea typeface="-윤고딕330" pitchFamily="18" charset="-127"/>
-            </a:endParaRPr>
-          </a:p>
-        </p:txBody>
-      </p:sp>
-    </p:spTree>
-  </p:cSld>
-  <p:clrMapOvr>
-    <a:masterClrMapping/>
-  </p:clrMapOvr>
-  <p:transition spd="slow">
-    <p:push dir="u"/>
-  </p:transition>
-</p:sld>
-</file>
-
-<file path=ppt/slides/slide11.xml><?xml version="1.0" encoding="utf-8"?>
-<p:sld xmlns:a="http://schemas.openxmlformats.org/drawingml/2006/main" xmlns:r="http://schemas.openxmlformats.org/officeDocument/2006/relationships" xmlns:p="http://schemas.openxmlformats.org/presentationml/2006/main">
-  <p:cSld>
-    <p:spTree>
-      <p:nvGrpSpPr>
-        <p:cNvPr id="1" name=""/>
-        <p:cNvGrpSpPr/>
-        <p:nvPr/>
-      </p:nvGrpSpPr>
-      <p:grpSpPr>
-        <a:xfrm>
-          <a:off x="0" y="0"/>
-          <a:ext cx="0" cy="0"/>
-          <a:chOff x="0" y="0"/>
-          <a:chExt cx="0" cy="0"/>
-        </a:xfrm>
-      </p:grpSpPr>
-      <p:sp>
-        <p:nvSpPr>
-          <p:cNvPr id="4" name="슬라이드 번호 개체 틀 3"/>
-          <p:cNvSpPr>
-            <a:spLocks noGrp="1"/>
-          </p:cNvSpPr>
-          <p:nvPr>
-            <p:ph type="sldNum" sz="quarter" idx="12"/>
-          </p:nvPr>
-        </p:nvSpPr>
-        <p:spPr/>
-        <p:txBody>
-          <a:bodyPr/>
-          <a:lstStyle/>
-          <a:p>
-            <a:fld id="{6077AF18-BF2E-40A5-AFCC-D5AE0C2FE057}" type="slidenum">
-              <a:rPr lang="ko-KR" altLang="en-US" smtClean="0"/>
-              <a:pPr/>
-              <a:t>11</a:t>
-            </a:fld>
-            <a:endParaRPr lang="ko-KR" altLang="en-US" dirty="0"/>
-          </a:p>
-        </p:txBody>
-      </p:sp>
-      <p:sp>
-        <p:nvSpPr>
-          <p:cNvPr id="5" name="TextBox 4"/>
-          <p:cNvSpPr txBox="1"/>
-          <p:nvPr/>
-        </p:nvSpPr>
-        <p:spPr>
-          <a:xfrm>
-            <a:off x="359869" y="332656"/>
-            <a:ext cx="3640740" cy="646331"/>
-          </a:xfrm>
-          <a:prstGeom prst="rect">
-            <a:avLst/>
-          </a:prstGeom>
-          <a:noFill/>
-        </p:spPr>
-        <p:txBody>
-          <a:bodyPr wrap="none" rtlCol="0">
-            <a:spAutoFit/>
-          </a:bodyPr>
-          <a:lstStyle/>
-          <a:p>
-            <a:r>
-              <a:rPr lang="en-US" altLang="ko-KR" sz="3600" dirty="0" smtClean="0">
-                <a:ln>
-                  <a:solidFill>
-                    <a:schemeClr val="bg1">
-                      <a:alpha val="0"/>
-                    </a:schemeClr>
-                  </a:solidFill>
-                </a:ln>
-                <a:solidFill>
-                  <a:schemeClr val="accent6">
-                    <a:lumMod val="50000"/>
-                  </a:schemeClr>
-                </a:solidFill>
-                <a:latin typeface="-윤고딕330" pitchFamily="18" charset="-127"/>
-                <a:ea typeface="-윤고딕330" pitchFamily="18" charset="-127"/>
-              </a:rPr>
-              <a:t>1.3 </a:t>
-            </a:r>
-            <a:r>
-              <a:rPr lang="ko-KR" altLang="en-US" sz="3600" dirty="0" smtClean="0">
-                <a:ln>
-                  <a:solidFill>
-                    <a:schemeClr val="bg1">
-                      <a:alpha val="0"/>
-                    </a:schemeClr>
-                  </a:solidFill>
-                </a:ln>
-                <a:solidFill>
-                  <a:schemeClr val="accent6">
-                    <a:lumMod val="50000"/>
-                  </a:schemeClr>
-                </a:solidFill>
-                <a:latin typeface="-윤고딕330" pitchFamily="18" charset="-127"/>
-                <a:ea typeface="-윤고딕330" pitchFamily="18" charset="-127"/>
-              </a:rPr>
-              <a:t>소재 및 배경</a:t>
-            </a:r>
-            <a:endParaRPr lang="ko-KR" altLang="en-US" sz="2000" dirty="0">
-              <a:ln>
-                <a:solidFill>
-                  <a:schemeClr val="bg1">
-                    <a:alpha val="0"/>
-                  </a:schemeClr>
-                </a:solidFill>
-              </a:ln>
-              <a:solidFill>
-                <a:schemeClr val="accent6">
-                  <a:lumMod val="50000"/>
-                </a:schemeClr>
-              </a:solidFill>
-              <a:latin typeface="-윤고딕330" pitchFamily="18" charset="-127"/>
-              <a:ea typeface="-윤고딕330" pitchFamily="18" charset="-127"/>
-            </a:endParaRPr>
-          </a:p>
-        </p:txBody>
-      </p:sp>
-    </p:spTree>
-  </p:cSld>
-  <p:clrMapOvr>
-    <a:masterClrMapping/>
-  </p:clrMapOvr>
-  <p:transition spd="slow">
-    <p:push dir="u"/>
-  </p:transition>
-</p:sld>
-</file>
-
-<file path=ppt/slides/slide12.xml><?xml version="1.0" encoding="utf-8"?>
 <p:sld xmlns:a="http://schemas.openxmlformats.org/drawingml/2006/main" xmlns:r="http://schemas.openxmlformats.org/officeDocument/2006/relationships" xmlns:p="http://schemas.openxmlformats.org/presentationml/2006/main">
   <p:cSld>
     <p:spTree>
@@ -4851,7 +4530,7 @@
             <a:blip r:embed="rId2" cstate="print">
               <a:extLst>
                 <a:ext uri="{28A0092B-C50C-407E-A947-70E740481C1C}">
-                  <a14:useLocalDpi xmlns:a14="http://schemas.microsoft.com/office/drawing/2010/main" xmlns="" val="0"/>
+                  <a14:useLocalDpi xmlns="" xmlns:a14="http://schemas.microsoft.com/office/drawing/2010/main" val="0"/>
                 </a:ext>
               </a:extLst>
             </a:blip>
@@ -4878,7 +4557,7 @@
           <p:spPr>
             <a:xfrm>
               <a:off x="3653391" y="3383994"/>
-              <a:ext cx="1965603" cy="477054"/>
+              <a:ext cx="2927404" cy="477054"/>
             </a:xfrm>
             <a:prstGeom prst="rect">
               <a:avLst/>
@@ -4909,7 +4588,27 @@
                   <a:latin typeface="-윤고딕330" pitchFamily="18" charset="-127"/>
                   <a:ea typeface="-윤고딕330" pitchFamily="18" charset="-127"/>
                 </a:rPr>
-                <a:t>2. </a:t>
+                <a:t>3</a:t>
+              </a:r>
+              <a:r>
+                <a:rPr lang="en-US" altLang="ko-KR" sz="2500" dirty="0" smtClean="0">
+                  <a:ln>
+                    <a:solidFill>
+                      <a:schemeClr val="bg1">
+                        <a:alpha val="0"/>
+                      </a:schemeClr>
+                    </a:solidFill>
+                  </a:ln>
+                  <a:solidFill>
+                    <a:schemeClr val="tx1">
+                      <a:lumMod val="75000"/>
+                      <a:lumOff val="25000"/>
+                    </a:schemeClr>
+                  </a:solidFill>
+                  <a:latin typeface="-윤고딕330" pitchFamily="18" charset="-127"/>
+                  <a:ea typeface="-윤고딕330" pitchFamily="18" charset="-127"/>
+                </a:rPr>
+                <a:t>. </a:t>
               </a:r>
               <a:r>
                 <a:rPr lang="ko-KR" altLang="en-US" sz="2500" dirty="0" smtClean="0">
@@ -4929,7 +4628,7 @@
                   <a:latin typeface="-윤고딕330" pitchFamily="18" charset="-127"/>
                   <a:ea typeface="-윤고딕330" pitchFamily="18" charset="-127"/>
                 </a:rPr>
-                <a:t>게임 목표</a:t>
+                <a:t>비즈니스 모델링</a:t>
               </a:r>
               <a:endParaRPr lang="ko-KR" altLang="en-US" sz="2500" dirty="0">
                 <a:ln>
@@ -5054,9 +4753,1789 @@
     </p:spTree>
     <p:extLst>
       <p:ext uri="{BB962C8B-B14F-4D97-AF65-F5344CB8AC3E}">
-        <p14:creationId xmlns:p14="http://schemas.microsoft.com/office/powerpoint/2010/main" xmlns="" val="2619248131"/>
+        <p14:creationId xmlns="" xmlns:p14="http://schemas.microsoft.com/office/powerpoint/2010/main" val="2619248131"/>
       </p:ext>
     </p:extLst>
+  </p:cSld>
+  <p:clrMapOvr>
+    <a:masterClrMapping/>
+  </p:clrMapOvr>
+  <p:transition spd="slow">
+    <p:push dir="u"/>
+  </p:transition>
+  <p:timing>
+    <p:tnLst>
+      <p:par>
+        <p:cTn id="1" dur="indefinite" restart="never" nodeType="tmRoot"/>
+      </p:par>
+    </p:tnLst>
+  </p:timing>
+</p:sld>
+</file>
+
+<file path=ppt/slides/slide11.xml><?xml version="1.0" encoding="utf-8"?>
+<p:sld xmlns:a="http://schemas.openxmlformats.org/drawingml/2006/main" xmlns:r="http://schemas.openxmlformats.org/officeDocument/2006/relationships" xmlns:p="http://schemas.openxmlformats.org/presentationml/2006/main">
+  <p:cSld>
+    <p:spTree>
+      <p:nvGrpSpPr>
+        <p:cNvPr id="1" name=""/>
+        <p:cNvGrpSpPr/>
+        <p:nvPr/>
+      </p:nvGrpSpPr>
+      <p:grpSpPr>
+        <a:xfrm>
+          <a:off x="0" y="0"/>
+          <a:ext cx="0" cy="0"/>
+          <a:chOff x="0" y="0"/>
+          <a:chExt cx="0" cy="0"/>
+        </a:xfrm>
+      </p:grpSpPr>
+      <p:sp>
+        <p:nvSpPr>
+          <p:cNvPr id="13" name="직사각형 12"/>
+          <p:cNvSpPr/>
+          <p:nvPr/>
+        </p:nvSpPr>
+        <p:spPr>
+          <a:xfrm>
+            <a:off x="0" y="1224136"/>
+            <a:ext cx="4644008" cy="476672"/>
+          </a:xfrm>
+          <a:prstGeom prst="rect">
+            <a:avLst/>
+          </a:prstGeom>
+          <a:solidFill>
+            <a:schemeClr val="accent1">
+              <a:lumMod val="40000"/>
+              <a:lumOff val="60000"/>
+            </a:schemeClr>
+          </a:solidFill>
+          <a:ln>
+            <a:noFill/>
+          </a:ln>
+        </p:spPr>
+        <p:style>
+          <a:lnRef idx="2">
+            <a:schemeClr val="accent1">
+              <a:shade val="50000"/>
+            </a:schemeClr>
+          </a:lnRef>
+          <a:fillRef idx="1">
+            <a:schemeClr val="accent1"/>
+          </a:fillRef>
+          <a:effectRef idx="0">
+            <a:schemeClr val="accent1"/>
+          </a:effectRef>
+          <a:fontRef idx="minor">
+            <a:schemeClr val="lt1"/>
+          </a:fontRef>
+        </p:style>
+        <p:txBody>
+          <a:bodyPr rtlCol="0" anchor="ctr"/>
+          <a:lstStyle/>
+          <a:p>
+            <a:pPr algn="ctr"/>
+            <a:r>
+              <a:rPr lang="ko-KR" altLang="en-US" b="1" dirty="0" smtClean="0">
+                <a:solidFill>
+                  <a:schemeClr val="tx1"/>
+                </a:solidFill>
+              </a:rPr>
+              <a:t>특</a:t>
+            </a:r>
+            <a:r>
+              <a:rPr lang="ko-KR" altLang="en-US" b="1" dirty="0" smtClean="0">
+                <a:solidFill>
+                  <a:schemeClr val="tx1"/>
+                </a:solidFill>
+              </a:rPr>
+              <a:t>징</a:t>
+            </a:r>
+            <a:endParaRPr lang="ko-KR" altLang="en-US" b="1" dirty="0">
+              <a:solidFill>
+                <a:schemeClr val="tx1"/>
+              </a:solidFill>
+            </a:endParaRPr>
+          </a:p>
+        </p:txBody>
+      </p:sp>
+      <p:sp>
+        <p:nvSpPr>
+          <p:cNvPr id="4" name="슬라이드 번호 개체 틀 3"/>
+          <p:cNvSpPr>
+            <a:spLocks noGrp="1"/>
+          </p:cNvSpPr>
+          <p:nvPr>
+            <p:ph type="sldNum" sz="quarter" idx="12"/>
+          </p:nvPr>
+        </p:nvSpPr>
+        <p:spPr/>
+        <p:txBody>
+          <a:bodyPr/>
+          <a:lstStyle/>
+          <a:p>
+            <a:fld id="{6077AF18-BF2E-40A5-AFCC-D5AE0C2FE057}" type="slidenum">
+              <a:rPr lang="ko-KR" altLang="en-US" smtClean="0"/>
+              <a:pPr/>
+              <a:t>11</a:t>
+            </a:fld>
+            <a:endParaRPr lang="ko-KR" altLang="en-US" dirty="0"/>
+          </a:p>
+        </p:txBody>
+      </p:sp>
+      <p:sp>
+        <p:nvSpPr>
+          <p:cNvPr id="5" name="TextBox 4"/>
+          <p:cNvSpPr txBox="1"/>
+          <p:nvPr/>
+        </p:nvSpPr>
+        <p:spPr>
+          <a:xfrm>
+            <a:off x="359869" y="332656"/>
+            <a:ext cx="3025187" cy="646331"/>
+          </a:xfrm>
+          <a:prstGeom prst="rect">
+            <a:avLst/>
+          </a:prstGeom>
+          <a:noFill/>
+        </p:spPr>
+        <p:txBody>
+          <a:bodyPr wrap="none" rtlCol="0">
+            <a:spAutoFit/>
+          </a:bodyPr>
+          <a:lstStyle/>
+          <a:p>
+            <a:r>
+              <a:rPr lang="en-US" altLang="ko-KR" sz="3600" dirty="0" smtClean="0">
+                <a:ln>
+                  <a:solidFill>
+                    <a:schemeClr val="bg1">
+                      <a:alpha val="0"/>
+                    </a:schemeClr>
+                  </a:solidFill>
+                </a:ln>
+                <a:solidFill>
+                  <a:schemeClr val="accent6">
+                    <a:lumMod val="50000"/>
+                  </a:schemeClr>
+                </a:solidFill>
+                <a:latin typeface="-윤고딕330" pitchFamily="18" charset="-127"/>
+                <a:ea typeface="-윤고딕330" pitchFamily="18" charset="-127"/>
+              </a:rPr>
+              <a:t>3.1 </a:t>
+            </a:r>
+            <a:r>
+              <a:rPr lang="ko-KR" altLang="en-US" sz="3600" dirty="0" smtClean="0">
+                <a:ln>
+                  <a:solidFill>
+                    <a:schemeClr val="bg1">
+                      <a:alpha val="0"/>
+                    </a:schemeClr>
+                  </a:solidFill>
+                </a:ln>
+                <a:solidFill>
+                  <a:schemeClr val="accent6">
+                    <a:lumMod val="50000"/>
+                  </a:schemeClr>
+                </a:solidFill>
+                <a:latin typeface="-윤고딕330" pitchFamily="18" charset="-127"/>
+                <a:ea typeface="-윤고딕330" pitchFamily="18" charset="-127"/>
+              </a:rPr>
+              <a:t>기대 효과</a:t>
+            </a:r>
+            <a:endParaRPr lang="ko-KR" altLang="en-US" sz="2000" dirty="0">
+              <a:ln>
+                <a:solidFill>
+                  <a:schemeClr val="bg1">
+                    <a:alpha val="0"/>
+                  </a:schemeClr>
+                </a:solidFill>
+              </a:ln>
+              <a:solidFill>
+                <a:schemeClr val="accent6">
+                  <a:lumMod val="50000"/>
+                </a:schemeClr>
+              </a:solidFill>
+              <a:latin typeface="-윤고딕330" pitchFamily="18" charset="-127"/>
+              <a:ea typeface="-윤고딕330" pitchFamily="18" charset="-127"/>
+            </a:endParaRPr>
+          </a:p>
+        </p:txBody>
+      </p:sp>
+      <p:sp>
+        <p:nvSpPr>
+          <p:cNvPr id="8" name="TextBox 7"/>
+          <p:cNvSpPr txBox="1"/>
+          <p:nvPr/>
+        </p:nvSpPr>
+        <p:spPr>
+          <a:xfrm>
+            <a:off x="323528" y="1772816"/>
+            <a:ext cx="4104456" cy="2554545"/>
+          </a:xfrm>
+          <a:prstGeom prst="rect">
+            <a:avLst/>
+          </a:prstGeom>
+          <a:noFill/>
+        </p:spPr>
+        <p:txBody>
+          <a:bodyPr wrap="square" rtlCol="0">
+            <a:spAutoFit/>
+          </a:bodyPr>
+          <a:lstStyle/>
+          <a:p>
+            <a:pPr marL="285750" indent="-285750">
+              <a:lnSpc>
+                <a:spcPct val="200000"/>
+              </a:lnSpc>
+            </a:pPr>
+            <a:r>
+              <a:rPr lang="ko-KR" altLang="en-US" sz="2000" dirty="0" smtClean="0">
+                <a:solidFill>
+                  <a:srgbClr val="925F0C"/>
+                </a:solidFill>
+              </a:rPr>
+              <a:t>리얼리티를 추구</a:t>
+            </a:r>
+            <a:endParaRPr lang="en-US" altLang="ko-KR" sz="2000" dirty="0" smtClean="0">
+              <a:solidFill>
+                <a:srgbClr val="925F0C"/>
+              </a:solidFill>
+            </a:endParaRPr>
+          </a:p>
+          <a:p>
+            <a:pPr marL="285750" indent="-285750">
+              <a:lnSpc>
+                <a:spcPct val="200000"/>
+              </a:lnSpc>
+            </a:pPr>
+            <a:r>
+              <a:rPr lang="ko-KR" altLang="en-US" sz="2000" dirty="0" smtClean="0">
+                <a:solidFill>
+                  <a:srgbClr val="925F0C"/>
+                </a:solidFill>
+              </a:rPr>
+              <a:t>자동차처럼 자신만의 공간을 원함</a:t>
+            </a:r>
+            <a:endParaRPr lang="en-US" altLang="ko-KR" sz="2000" dirty="0" smtClean="0">
+              <a:solidFill>
+                <a:srgbClr val="925F0C"/>
+              </a:solidFill>
+            </a:endParaRPr>
+          </a:p>
+          <a:p>
+            <a:pPr marL="285750" indent="-285750">
+              <a:lnSpc>
+                <a:spcPct val="200000"/>
+              </a:lnSpc>
+            </a:pPr>
+            <a:r>
+              <a:rPr lang="ko-KR" altLang="en-US" sz="2000" dirty="0" smtClean="0">
+                <a:solidFill>
+                  <a:srgbClr val="925F0C"/>
+                </a:solidFill>
+              </a:rPr>
+              <a:t>경쟁 의식 강함</a:t>
+            </a:r>
+            <a:endParaRPr lang="en-US" altLang="ko-KR" sz="2000" dirty="0" smtClean="0">
+              <a:solidFill>
+                <a:srgbClr val="925F0C"/>
+              </a:solidFill>
+            </a:endParaRPr>
+          </a:p>
+          <a:p>
+            <a:pPr marL="285750" indent="-285750">
+              <a:lnSpc>
+                <a:spcPct val="200000"/>
+              </a:lnSpc>
+            </a:pPr>
+            <a:r>
+              <a:rPr lang="ko-KR" altLang="en-US" sz="2000" dirty="0" smtClean="0">
+                <a:solidFill>
+                  <a:srgbClr val="925F0C"/>
+                </a:solidFill>
+              </a:rPr>
+              <a:t>어드벤처 선호도 높음</a:t>
+            </a:r>
+            <a:endParaRPr lang="en-US" altLang="ko-KR" sz="2000" dirty="0" smtClean="0">
+              <a:solidFill>
+                <a:srgbClr val="925F0C"/>
+              </a:solidFill>
+            </a:endParaRPr>
+          </a:p>
+        </p:txBody>
+      </p:sp>
+      <p:sp>
+        <p:nvSpPr>
+          <p:cNvPr id="9" name="TextBox 8"/>
+          <p:cNvSpPr txBox="1"/>
+          <p:nvPr/>
+        </p:nvSpPr>
+        <p:spPr>
+          <a:xfrm>
+            <a:off x="323528" y="4658360"/>
+            <a:ext cx="5616624" cy="1938992"/>
+          </a:xfrm>
+          <a:prstGeom prst="rect">
+            <a:avLst/>
+          </a:prstGeom>
+          <a:noFill/>
+        </p:spPr>
+        <p:txBody>
+          <a:bodyPr wrap="square" rtlCol="0">
+            <a:spAutoFit/>
+          </a:bodyPr>
+          <a:lstStyle/>
+          <a:p>
+            <a:pPr marL="285750" indent="-285750">
+              <a:lnSpc>
+                <a:spcPct val="200000"/>
+              </a:lnSpc>
+            </a:pPr>
+            <a:r>
+              <a:rPr lang="ko-KR" altLang="en-US" sz="2000" dirty="0" smtClean="0">
+                <a:solidFill>
+                  <a:srgbClr val="925F0C"/>
+                </a:solidFill>
+              </a:rPr>
+              <a:t>감성적인 자극에 </a:t>
+            </a:r>
+            <a:r>
+              <a:rPr lang="ko-KR" altLang="en-US" sz="2000" dirty="0" err="1" smtClean="0">
+                <a:solidFill>
+                  <a:srgbClr val="925F0C"/>
+                </a:solidFill>
+              </a:rPr>
+              <a:t>민감</a:t>
+            </a:r>
+            <a:endParaRPr lang="en-US" altLang="ko-KR" sz="2000" dirty="0" smtClean="0">
+              <a:solidFill>
+                <a:srgbClr val="925F0C"/>
+              </a:solidFill>
+            </a:endParaRPr>
+          </a:p>
+          <a:p>
+            <a:pPr marL="285750" indent="-285750">
+              <a:lnSpc>
+                <a:spcPct val="200000"/>
+              </a:lnSpc>
+            </a:pPr>
+            <a:r>
+              <a:rPr lang="ko-KR" altLang="en-US" sz="2000" dirty="0" smtClean="0">
+                <a:solidFill>
+                  <a:srgbClr val="925F0C"/>
+                </a:solidFill>
+              </a:rPr>
+              <a:t>행동에 대한 필연적 이유 제시</a:t>
+            </a:r>
+            <a:endParaRPr lang="en-US" altLang="ko-KR" sz="2000" dirty="0" smtClean="0">
+              <a:solidFill>
+                <a:srgbClr val="925F0C"/>
+              </a:solidFill>
+            </a:endParaRPr>
+          </a:p>
+          <a:p>
+            <a:pPr marL="285750" indent="-285750">
+              <a:lnSpc>
+                <a:spcPct val="200000"/>
+              </a:lnSpc>
+            </a:pPr>
+            <a:r>
+              <a:rPr lang="ko-KR" altLang="en-US" sz="2000" dirty="0" smtClean="0">
+                <a:solidFill>
+                  <a:srgbClr val="925F0C"/>
+                </a:solidFill>
+              </a:rPr>
+              <a:t>캐릭터 및 </a:t>
+            </a:r>
+            <a:r>
+              <a:rPr lang="en-US" altLang="ko-KR" sz="2000" dirty="0" smtClean="0">
+                <a:solidFill>
+                  <a:srgbClr val="925F0C"/>
+                </a:solidFill>
+              </a:rPr>
+              <a:t>UI </a:t>
+            </a:r>
+            <a:r>
+              <a:rPr lang="ko-KR" altLang="en-US" sz="2000" dirty="0" smtClean="0">
+                <a:solidFill>
+                  <a:srgbClr val="925F0C"/>
+                </a:solidFill>
+              </a:rPr>
+              <a:t>디자인을 중요시 함</a:t>
+            </a:r>
+            <a:endParaRPr lang="en-US" altLang="ko-KR" sz="2000" dirty="0" smtClean="0">
+              <a:solidFill>
+                <a:srgbClr val="925F0C"/>
+              </a:solidFill>
+            </a:endParaRPr>
+          </a:p>
+        </p:txBody>
+      </p:sp>
+      <p:sp>
+        <p:nvSpPr>
+          <p:cNvPr id="11" name="TextBox 10"/>
+          <p:cNvSpPr txBox="1"/>
+          <p:nvPr/>
+        </p:nvSpPr>
+        <p:spPr>
+          <a:xfrm>
+            <a:off x="4788024" y="1951097"/>
+            <a:ext cx="4355976" cy="1938992"/>
+          </a:xfrm>
+          <a:prstGeom prst="rect">
+            <a:avLst/>
+          </a:prstGeom>
+          <a:noFill/>
+        </p:spPr>
+        <p:txBody>
+          <a:bodyPr wrap="square" rtlCol="0">
+            <a:spAutoFit/>
+          </a:bodyPr>
+          <a:lstStyle/>
+          <a:p>
+            <a:pPr marL="285750" indent="-285750">
+              <a:lnSpc>
+                <a:spcPct val="200000"/>
+              </a:lnSpc>
+            </a:pPr>
+            <a:r>
+              <a:rPr lang="ko-KR" altLang="en-US" sz="2000" dirty="0" smtClean="0">
+                <a:solidFill>
+                  <a:srgbClr val="925F0C"/>
+                </a:solidFill>
+              </a:rPr>
+              <a:t>현실감 느껴지는 그래픽</a:t>
+            </a:r>
+            <a:endParaRPr lang="en-US" altLang="ko-KR" sz="2000" dirty="0" smtClean="0">
+              <a:solidFill>
+                <a:srgbClr val="925F0C"/>
+              </a:solidFill>
+            </a:endParaRPr>
+          </a:p>
+          <a:p>
+            <a:pPr marL="285750" indent="-285750">
+              <a:lnSpc>
+                <a:spcPct val="200000"/>
+              </a:lnSpc>
+            </a:pPr>
+            <a:r>
+              <a:rPr lang="ko-KR" altLang="en-US" sz="2000" dirty="0" err="1" smtClean="0">
+                <a:solidFill>
+                  <a:srgbClr val="925F0C"/>
+                </a:solidFill>
+              </a:rPr>
+              <a:t>하우징</a:t>
+            </a:r>
+            <a:r>
+              <a:rPr lang="ko-KR" altLang="en-US" sz="2000" dirty="0" smtClean="0">
+                <a:solidFill>
+                  <a:srgbClr val="925F0C"/>
+                </a:solidFill>
+              </a:rPr>
+              <a:t> 시스템 채용</a:t>
+            </a:r>
+            <a:endParaRPr lang="en-US" altLang="ko-KR" sz="2000" dirty="0" smtClean="0">
+              <a:solidFill>
+                <a:srgbClr val="925F0C"/>
+              </a:solidFill>
+            </a:endParaRPr>
+          </a:p>
+          <a:p>
+            <a:pPr marL="285750" indent="-285750">
+              <a:lnSpc>
+                <a:spcPct val="200000"/>
+              </a:lnSpc>
+            </a:pPr>
+            <a:r>
+              <a:rPr lang="ko-KR" altLang="en-US" sz="2000" dirty="0" smtClean="0">
+                <a:solidFill>
+                  <a:srgbClr val="925F0C"/>
+                </a:solidFill>
+              </a:rPr>
+              <a:t>랭킹 시스템 도입</a:t>
+            </a:r>
+            <a:endParaRPr lang="en-US" altLang="ko-KR" sz="2000" dirty="0" smtClean="0">
+              <a:solidFill>
+                <a:srgbClr val="925F0C"/>
+              </a:solidFill>
+            </a:endParaRPr>
+          </a:p>
+        </p:txBody>
+      </p:sp>
+      <p:sp>
+        <p:nvSpPr>
+          <p:cNvPr id="12" name="TextBox 11"/>
+          <p:cNvSpPr txBox="1"/>
+          <p:nvPr/>
+        </p:nvSpPr>
+        <p:spPr>
+          <a:xfrm>
+            <a:off x="4788024" y="4941168"/>
+            <a:ext cx="4355976" cy="1323439"/>
+          </a:xfrm>
+          <a:prstGeom prst="rect">
+            <a:avLst/>
+          </a:prstGeom>
+          <a:noFill/>
+        </p:spPr>
+        <p:txBody>
+          <a:bodyPr wrap="square" rtlCol="0">
+            <a:spAutoFit/>
+          </a:bodyPr>
+          <a:lstStyle/>
+          <a:p>
+            <a:pPr marL="285750" indent="-285750">
+              <a:lnSpc>
+                <a:spcPct val="200000"/>
+              </a:lnSpc>
+            </a:pPr>
+            <a:r>
+              <a:rPr lang="ko-KR" altLang="en-US" sz="2000" dirty="0" smtClean="0">
+                <a:solidFill>
+                  <a:srgbClr val="925F0C"/>
+                </a:solidFill>
+              </a:rPr>
+              <a:t>시나리오 완성을 위해 </a:t>
+            </a:r>
+            <a:r>
+              <a:rPr lang="ko-KR" altLang="en-US" sz="2000" dirty="0" err="1" smtClean="0">
+                <a:solidFill>
+                  <a:srgbClr val="925F0C"/>
+                </a:solidFill>
+              </a:rPr>
+              <a:t>퀘스트</a:t>
+            </a:r>
+            <a:r>
+              <a:rPr lang="ko-KR" altLang="en-US" sz="2000" dirty="0" smtClean="0">
+                <a:solidFill>
+                  <a:srgbClr val="925F0C"/>
+                </a:solidFill>
+              </a:rPr>
+              <a:t> 수행</a:t>
+            </a:r>
+            <a:endParaRPr lang="en-US" altLang="ko-KR" sz="2000" dirty="0" smtClean="0">
+              <a:solidFill>
+                <a:srgbClr val="925F0C"/>
+              </a:solidFill>
+            </a:endParaRPr>
+          </a:p>
+          <a:p>
+            <a:pPr marL="285750" indent="-285750">
+              <a:lnSpc>
+                <a:spcPct val="200000"/>
+              </a:lnSpc>
+            </a:pPr>
+            <a:r>
+              <a:rPr lang="ko-KR" altLang="en-US" sz="2000" dirty="0" smtClean="0">
+                <a:solidFill>
+                  <a:srgbClr val="925F0C"/>
+                </a:solidFill>
+              </a:rPr>
+              <a:t>대체로 밝은 톤의 </a:t>
+            </a:r>
+            <a:r>
+              <a:rPr lang="en-US" altLang="ko-KR" sz="2000" dirty="0" smtClean="0">
+                <a:solidFill>
+                  <a:srgbClr val="925F0C"/>
+                </a:solidFill>
+              </a:rPr>
+              <a:t>UI</a:t>
+            </a:r>
+            <a:r>
+              <a:rPr lang="ko-KR" altLang="en-US" sz="2000" dirty="0" smtClean="0">
+                <a:solidFill>
+                  <a:srgbClr val="925F0C"/>
+                </a:solidFill>
+              </a:rPr>
+              <a:t>와 인터페이스</a:t>
+            </a:r>
+            <a:endParaRPr lang="en-US" altLang="ko-KR" sz="2000" dirty="0" smtClean="0">
+              <a:solidFill>
+                <a:srgbClr val="925F0C"/>
+              </a:solidFill>
+            </a:endParaRPr>
+          </a:p>
+        </p:txBody>
+      </p:sp>
+      <p:sp>
+        <p:nvSpPr>
+          <p:cNvPr id="15" name="직사각형 14"/>
+          <p:cNvSpPr/>
+          <p:nvPr/>
+        </p:nvSpPr>
+        <p:spPr>
+          <a:xfrm>
+            <a:off x="4536504" y="1224136"/>
+            <a:ext cx="4644008" cy="476672"/>
+          </a:xfrm>
+          <a:prstGeom prst="rect">
+            <a:avLst/>
+          </a:prstGeom>
+          <a:solidFill>
+            <a:schemeClr val="accent1">
+              <a:lumMod val="40000"/>
+              <a:lumOff val="60000"/>
+            </a:schemeClr>
+          </a:solidFill>
+          <a:ln>
+            <a:noFill/>
+          </a:ln>
+        </p:spPr>
+        <p:style>
+          <a:lnRef idx="2">
+            <a:schemeClr val="accent1">
+              <a:shade val="50000"/>
+            </a:schemeClr>
+          </a:lnRef>
+          <a:fillRef idx="1">
+            <a:schemeClr val="accent1"/>
+          </a:fillRef>
+          <a:effectRef idx="0">
+            <a:schemeClr val="accent1"/>
+          </a:effectRef>
+          <a:fontRef idx="minor">
+            <a:schemeClr val="lt1"/>
+          </a:fontRef>
+        </p:style>
+        <p:txBody>
+          <a:bodyPr rtlCol="0" anchor="ctr"/>
+          <a:lstStyle/>
+          <a:p>
+            <a:pPr algn="ctr"/>
+            <a:r>
+              <a:rPr lang="ko-KR" altLang="en-US" b="1" dirty="0" smtClean="0">
+                <a:solidFill>
+                  <a:schemeClr val="tx1"/>
+                </a:solidFill>
+              </a:rPr>
+              <a:t>게임 적용</a:t>
+            </a:r>
+            <a:endParaRPr lang="ko-KR" altLang="en-US" b="1" dirty="0">
+              <a:solidFill>
+                <a:schemeClr val="tx1"/>
+              </a:solidFill>
+            </a:endParaRPr>
+          </a:p>
+        </p:txBody>
+      </p:sp>
+      <p:sp>
+        <p:nvSpPr>
+          <p:cNvPr id="19" name="사각형 설명선 18"/>
+          <p:cNvSpPr/>
+          <p:nvPr/>
+        </p:nvSpPr>
+        <p:spPr>
+          <a:xfrm>
+            <a:off x="3131840" y="1340768"/>
+            <a:ext cx="1872208" cy="504056"/>
+          </a:xfrm>
+          <a:prstGeom prst="wedgeRectCallout">
+            <a:avLst>
+              <a:gd name="adj1" fmla="val -41353"/>
+              <a:gd name="adj2" fmla="val 110323"/>
+            </a:avLst>
+          </a:prstGeom>
+          <a:noFill/>
+          <a:ln>
+            <a:solidFill>
+              <a:schemeClr val="tx1"/>
+            </a:solidFill>
+          </a:ln>
+        </p:spPr>
+        <p:style>
+          <a:lnRef idx="2">
+            <a:schemeClr val="accent1">
+              <a:shade val="50000"/>
+            </a:schemeClr>
+          </a:lnRef>
+          <a:fillRef idx="1">
+            <a:schemeClr val="accent1"/>
+          </a:fillRef>
+          <a:effectRef idx="0">
+            <a:schemeClr val="accent1"/>
+          </a:effectRef>
+          <a:fontRef idx="minor">
+            <a:schemeClr val="lt1"/>
+          </a:fontRef>
+        </p:style>
+        <p:txBody>
+          <a:bodyPr rtlCol="0" anchor="ctr"/>
+          <a:lstStyle/>
+          <a:p>
+            <a:pPr algn="ctr"/>
+            <a:r>
+              <a:rPr lang="ko-KR" altLang="en-US" sz="2400" b="1" dirty="0" smtClean="0">
+                <a:solidFill>
+                  <a:srgbClr val="FF0000"/>
+                </a:solidFill>
+              </a:rPr>
+              <a:t>남성 선호</a:t>
+            </a:r>
+            <a:endParaRPr lang="ko-KR" altLang="en-US" sz="2400" b="1" dirty="0">
+              <a:solidFill>
+                <a:srgbClr val="FF0000"/>
+              </a:solidFill>
+            </a:endParaRPr>
+          </a:p>
+        </p:txBody>
+      </p:sp>
+      <p:sp>
+        <p:nvSpPr>
+          <p:cNvPr id="20" name="사각형 설명선 19"/>
+          <p:cNvSpPr/>
+          <p:nvPr/>
+        </p:nvSpPr>
+        <p:spPr>
+          <a:xfrm>
+            <a:off x="3419872" y="4221088"/>
+            <a:ext cx="1872208" cy="504056"/>
+          </a:xfrm>
+          <a:prstGeom prst="wedgeRectCallout">
+            <a:avLst>
+              <a:gd name="adj1" fmla="val -43642"/>
+              <a:gd name="adj2" fmla="val 108119"/>
+            </a:avLst>
+          </a:prstGeom>
+          <a:noFill/>
+          <a:ln>
+            <a:solidFill>
+              <a:schemeClr val="tx1"/>
+            </a:solidFill>
+          </a:ln>
+        </p:spPr>
+        <p:style>
+          <a:lnRef idx="2">
+            <a:schemeClr val="accent1">
+              <a:shade val="50000"/>
+            </a:schemeClr>
+          </a:lnRef>
+          <a:fillRef idx="1">
+            <a:schemeClr val="accent1"/>
+          </a:fillRef>
+          <a:effectRef idx="0">
+            <a:schemeClr val="accent1"/>
+          </a:effectRef>
+          <a:fontRef idx="minor">
+            <a:schemeClr val="lt1"/>
+          </a:fontRef>
+        </p:style>
+        <p:txBody>
+          <a:bodyPr rtlCol="0" anchor="ctr"/>
+          <a:lstStyle/>
+          <a:p>
+            <a:pPr algn="ctr"/>
+            <a:r>
+              <a:rPr lang="ko-KR" altLang="en-US" sz="2400" b="1" dirty="0" smtClean="0">
+                <a:solidFill>
+                  <a:srgbClr val="FF0000"/>
+                </a:solidFill>
+              </a:rPr>
+              <a:t>여성 선호</a:t>
+            </a:r>
+            <a:endParaRPr lang="ko-KR" altLang="en-US" sz="2400" b="1" dirty="0">
+              <a:solidFill>
+                <a:srgbClr val="FF0000"/>
+              </a:solidFill>
+            </a:endParaRPr>
+          </a:p>
+        </p:txBody>
+      </p:sp>
+    </p:spTree>
+  </p:cSld>
+  <p:clrMapOvr>
+    <a:masterClrMapping/>
+  </p:clrMapOvr>
+  <p:transition spd="slow">
+    <p:push dir="u"/>
+  </p:transition>
+  <p:timing>
+    <p:tnLst>
+      <p:par>
+        <p:cTn id="1" dur="indefinite" restart="never" nodeType="tmRoot"/>
+      </p:par>
+    </p:tnLst>
+  </p:timing>
+</p:sld>
+</file>
+
+<file path=ppt/slides/slide12.xml><?xml version="1.0" encoding="utf-8"?>
+<p:sld xmlns:a="http://schemas.openxmlformats.org/drawingml/2006/main" xmlns:r="http://schemas.openxmlformats.org/officeDocument/2006/relationships" xmlns:p="http://schemas.openxmlformats.org/presentationml/2006/main">
+  <p:cSld>
+    <p:spTree>
+      <p:nvGrpSpPr>
+        <p:cNvPr id="1" name=""/>
+        <p:cNvGrpSpPr/>
+        <p:nvPr/>
+      </p:nvGrpSpPr>
+      <p:grpSpPr>
+        <a:xfrm>
+          <a:off x="0" y="0"/>
+          <a:ext cx="0" cy="0"/>
+          <a:chOff x="0" y="0"/>
+          <a:chExt cx="0" cy="0"/>
+        </a:xfrm>
+      </p:grpSpPr>
+      <p:sp>
+        <p:nvSpPr>
+          <p:cNvPr id="10" name="직사각형 9"/>
+          <p:cNvSpPr/>
+          <p:nvPr/>
+        </p:nvSpPr>
+        <p:spPr>
+          <a:xfrm>
+            <a:off x="4788024" y="1124744"/>
+            <a:ext cx="3960440" cy="5328592"/>
+          </a:xfrm>
+          <a:prstGeom prst="rect">
+            <a:avLst/>
+          </a:prstGeom>
+          <a:solidFill>
+            <a:schemeClr val="accent2">
+              <a:lumMod val="40000"/>
+              <a:lumOff val="60000"/>
+            </a:schemeClr>
+          </a:solidFill>
+          <a:ln>
+            <a:noFill/>
+          </a:ln>
+        </p:spPr>
+        <p:style>
+          <a:lnRef idx="2">
+            <a:schemeClr val="accent1">
+              <a:shade val="50000"/>
+            </a:schemeClr>
+          </a:lnRef>
+          <a:fillRef idx="1">
+            <a:schemeClr val="accent1"/>
+          </a:fillRef>
+          <a:effectRef idx="0">
+            <a:schemeClr val="accent1"/>
+          </a:effectRef>
+          <a:fontRef idx="minor">
+            <a:schemeClr val="lt1"/>
+          </a:fontRef>
+        </p:style>
+        <p:txBody>
+          <a:bodyPr rtlCol="0" anchor="ctr"/>
+          <a:lstStyle/>
+          <a:p>
+            <a:pPr algn="ctr"/>
+            <a:r>
+              <a:rPr lang="ko-KR" altLang="en-US" sz="2400" b="1" dirty="0" smtClean="0">
+                <a:solidFill>
+                  <a:schemeClr val="tx1"/>
+                </a:solidFill>
+                <a:latin typeface="HY신명조" pitchFamily="18" charset="-127"/>
+                <a:ea typeface="HY신명조" pitchFamily="18" charset="-127"/>
+              </a:rPr>
+              <a:t>홍보 방법</a:t>
+            </a:r>
+            <a:endParaRPr lang="en-US" altLang="ko-KR" sz="2400" b="1" dirty="0" smtClean="0">
+              <a:solidFill>
+                <a:schemeClr val="tx1"/>
+              </a:solidFill>
+              <a:latin typeface="HY신명조" pitchFamily="18" charset="-127"/>
+              <a:ea typeface="HY신명조" pitchFamily="18" charset="-127"/>
+            </a:endParaRPr>
+          </a:p>
+          <a:p>
+            <a:pPr algn="ctr"/>
+            <a:endParaRPr lang="en-US" altLang="ko-KR" sz="2400" b="1" dirty="0" smtClean="0">
+              <a:solidFill>
+                <a:schemeClr val="tx1"/>
+              </a:solidFill>
+            </a:endParaRPr>
+          </a:p>
+          <a:p>
+            <a:pPr algn="ctr"/>
+            <a:endParaRPr lang="en-US" altLang="ko-KR" sz="2400" b="1" dirty="0" smtClean="0">
+              <a:solidFill>
+                <a:schemeClr val="tx1"/>
+              </a:solidFill>
+            </a:endParaRPr>
+          </a:p>
+          <a:p>
+            <a:pPr algn="ctr"/>
+            <a:endParaRPr lang="en-US" altLang="ko-KR" sz="2400" b="1" dirty="0" smtClean="0">
+              <a:solidFill>
+                <a:schemeClr val="tx1"/>
+              </a:solidFill>
+            </a:endParaRPr>
+          </a:p>
+          <a:p>
+            <a:pPr algn="ctr"/>
+            <a:endParaRPr lang="en-US" altLang="ko-KR" sz="2400" b="1" dirty="0" smtClean="0">
+              <a:solidFill>
+                <a:schemeClr val="tx1"/>
+              </a:solidFill>
+            </a:endParaRPr>
+          </a:p>
+          <a:p>
+            <a:pPr algn="ctr"/>
+            <a:endParaRPr lang="en-US" altLang="ko-KR" sz="2400" b="1" dirty="0" smtClean="0">
+              <a:solidFill>
+                <a:schemeClr val="tx1"/>
+              </a:solidFill>
+            </a:endParaRPr>
+          </a:p>
+          <a:p>
+            <a:pPr algn="ctr"/>
+            <a:endParaRPr lang="en-US" altLang="ko-KR" sz="2400" b="1" dirty="0" smtClean="0">
+              <a:solidFill>
+                <a:schemeClr val="tx1"/>
+              </a:solidFill>
+            </a:endParaRPr>
+          </a:p>
+          <a:p>
+            <a:pPr algn="ctr"/>
+            <a:endParaRPr lang="en-US" altLang="ko-KR" sz="2400" b="1" dirty="0" smtClean="0">
+              <a:solidFill>
+                <a:schemeClr val="tx1"/>
+              </a:solidFill>
+            </a:endParaRPr>
+          </a:p>
+          <a:p>
+            <a:pPr algn="ctr"/>
+            <a:endParaRPr lang="en-US" altLang="ko-KR" sz="2400" b="1" dirty="0" smtClean="0">
+              <a:solidFill>
+                <a:schemeClr val="tx1"/>
+              </a:solidFill>
+            </a:endParaRPr>
+          </a:p>
+          <a:p>
+            <a:pPr algn="ctr"/>
+            <a:endParaRPr lang="en-US" altLang="ko-KR" sz="2400" b="1" dirty="0" smtClean="0">
+              <a:solidFill>
+                <a:schemeClr val="tx1"/>
+              </a:solidFill>
+            </a:endParaRPr>
+          </a:p>
+          <a:p>
+            <a:pPr algn="ctr"/>
+            <a:endParaRPr lang="en-US" altLang="ko-KR" sz="2400" b="1" dirty="0" smtClean="0">
+              <a:solidFill>
+                <a:schemeClr val="tx1"/>
+              </a:solidFill>
+            </a:endParaRPr>
+          </a:p>
+          <a:p>
+            <a:pPr algn="ctr"/>
+            <a:endParaRPr lang="en-US" altLang="ko-KR" sz="2400" b="1" dirty="0" smtClean="0">
+              <a:solidFill>
+                <a:schemeClr val="tx1"/>
+              </a:solidFill>
+            </a:endParaRPr>
+          </a:p>
+          <a:p>
+            <a:pPr algn="ctr"/>
+            <a:endParaRPr lang="ko-KR" altLang="en-US" sz="2400" b="1" dirty="0">
+              <a:solidFill>
+                <a:schemeClr val="tx1"/>
+              </a:solidFill>
+            </a:endParaRPr>
+          </a:p>
+        </p:txBody>
+      </p:sp>
+      <p:sp>
+        <p:nvSpPr>
+          <p:cNvPr id="9" name="직사각형 8"/>
+          <p:cNvSpPr/>
+          <p:nvPr/>
+        </p:nvSpPr>
+        <p:spPr>
+          <a:xfrm>
+            <a:off x="395536" y="1484784"/>
+            <a:ext cx="2376264" cy="3960440"/>
+          </a:xfrm>
+          <a:prstGeom prst="rect">
+            <a:avLst/>
+          </a:prstGeom>
+          <a:solidFill>
+            <a:schemeClr val="accent2">
+              <a:lumMod val="40000"/>
+              <a:lumOff val="60000"/>
+            </a:schemeClr>
+          </a:solidFill>
+          <a:ln>
+            <a:noFill/>
+          </a:ln>
+        </p:spPr>
+        <p:style>
+          <a:lnRef idx="2">
+            <a:schemeClr val="accent1">
+              <a:shade val="50000"/>
+            </a:schemeClr>
+          </a:lnRef>
+          <a:fillRef idx="1">
+            <a:schemeClr val="accent1"/>
+          </a:fillRef>
+          <a:effectRef idx="0">
+            <a:schemeClr val="accent1"/>
+          </a:effectRef>
+          <a:fontRef idx="minor">
+            <a:schemeClr val="lt1"/>
+          </a:fontRef>
+        </p:style>
+        <p:txBody>
+          <a:bodyPr rtlCol="0" anchor="ctr"/>
+          <a:lstStyle/>
+          <a:p>
+            <a:pPr algn="ctr"/>
+            <a:r>
+              <a:rPr lang="ko-KR" altLang="en-US" sz="2400" b="1" dirty="0" smtClean="0">
+                <a:solidFill>
+                  <a:schemeClr val="tx1"/>
+                </a:solidFill>
+                <a:latin typeface="HY신명조" pitchFamily="18" charset="-127"/>
+                <a:ea typeface="HY신명조" pitchFamily="18" charset="-127"/>
+              </a:rPr>
+              <a:t>홍보 </a:t>
+            </a:r>
+            <a:r>
+              <a:rPr lang="ko-KR" altLang="en-US" sz="2400" b="1" dirty="0" err="1" smtClean="0">
+                <a:solidFill>
+                  <a:schemeClr val="tx1"/>
+                </a:solidFill>
+                <a:latin typeface="HY신명조" pitchFamily="18" charset="-127"/>
+                <a:ea typeface="HY신명조" pitchFamily="18" charset="-127"/>
+              </a:rPr>
+              <a:t>메체</a:t>
+            </a:r>
+            <a:endParaRPr lang="en-US" altLang="ko-KR" sz="2400" b="1" dirty="0" smtClean="0">
+              <a:solidFill>
+                <a:schemeClr val="tx1"/>
+              </a:solidFill>
+              <a:latin typeface="HY신명조" pitchFamily="18" charset="-127"/>
+              <a:ea typeface="HY신명조" pitchFamily="18" charset="-127"/>
+            </a:endParaRPr>
+          </a:p>
+          <a:p>
+            <a:pPr algn="ctr"/>
+            <a:endParaRPr lang="en-US" altLang="ko-KR" sz="2400" b="1" dirty="0" smtClean="0">
+              <a:solidFill>
+                <a:schemeClr val="tx1"/>
+              </a:solidFill>
+            </a:endParaRPr>
+          </a:p>
+          <a:p>
+            <a:pPr algn="ctr"/>
+            <a:endParaRPr lang="en-US" altLang="ko-KR" sz="2400" b="1" dirty="0" smtClean="0">
+              <a:solidFill>
+                <a:schemeClr val="tx1"/>
+              </a:solidFill>
+            </a:endParaRPr>
+          </a:p>
+          <a:p>
+            <a:pPr algn="ctr"/>
+            <a:endParaRPr lang="en-US" altLang="ko-KR" sz="2400" b="1" dirty="0" smtClean="0">
+              <a:solidFill>
+                <a:schemeClr val="tx1"/>
+              </a:solidFill>
+            </a:endParaRPr>
+          </a:p>
+          <a:p>
+            <a:pPr algn="ctr"/>
+            <a:endParaRPr lang="en-US" altLang="ko-KR" sz="2400" b="1" dirty="0" smtClean="0">
+              <a:solidFill>
+                <a:schemeClr val="tx1"/>
+              </a:solidFill>
+            </a:endParaRPr>
+          </a:p>
+          <a:p>
+            <a:pPr algn="ctr"/>
+            <a:endParaRPr lang="en-US" altLang="ko-KR" sz="2400" b="1" dirty="0" smtClean="0">
+              <a:solidFill>
+                <a:schemeClr val="tx1"/>
+              </a:solidFill>
+            </a:endParaRPr>
+          </a:p>
+          <a:p>
+            <a:pPr algn="ctr"/>
+            <a:endParaRPr lang="en-US" altLang="ko-KR" sz="2400" b="1" dirty="0" smtClean="0">
+              <a:solidFill>
+                <a:schemeClr val="tx1"/>
+              </a:solidFill>
+            </a:endParaRPr>
+          </a:p>
+          <a:p>
+            <a:pPr algn="ctr"/>
+            <a:endParaRPr lang="en-US" altLang="ko-KR" sz="2400" b="1" dirty="0" smtClean="0">
+              <a:solidFill>
+                <a:schemeClr val="tx1"/>
+              </a:solidFill>
+            </a:endParaRPr>
+          </a:p>
+          <a:p>
+            <a:pPr algn="ctr"/>
+            <a:endParaRPr lang="ko-KR" altLang="en-US" sz="2400" b="1" dirty="0">
+              <a:solidFill>
+                <a:schemeClr val="tx1"/>
+              </a:solidFill>
+            </a:endParaRPr>
+          </a:p>
+        </p:txBody>
+      </p:sp>
+      <p:sp>
+        <p:nvSpPr>
+          <p:cNvPr id="4" name="슬라이드 번호 개체 틀 3"/>
+          <p:cNvSpPr>
+            <a:spLocks noGrp="1"/>
+          </p:cNvSpPr>
+          <p:nvPr>
+            <p:ph type="sldNum" sz="quarter" idx="12"/>
+          </p:nvPr>
+        </p:nvSpPr>
+        <p:spPr/>
+        <p:txBody>
+          <a:bodyPr/>
+          <a:lstStyle/>
+          <a:p>
+            <a:fld id="{6077AF18-BF2E-40A5-AFCC-D5AE0C2FE057}" type="slidenum">
+              <a:rPr lang="ko-KR" altLang="en-US" smtClean="0"/>
+              <a:pPr/>
+              <a:t>12</a:t>
+            </a:fld>
+            <a:endParaRPr lang="ko-KR" altLang="en-US" dirty="0"/>
+          </a:p>
+        </p:txBody>
+      </p:sp>
+      <p:sp>
+        <p:nvSpPr>
+          <p:cNvPr id="5" name="TextBox 4"/>
+          <p:cNvSpPr txBox="1"/>
+          <p:nvPr/>
+        </p:nvSpPr>
+        <p:spPr>
+          <a:xfrm>
+            <a:off x="359869" y="332656"/>
+            <a:ext cx="6756978" cy="646331"/>
+          </a:xfrm>
+          <a:prstGeom prst="rect">
+            <a:avLst/>
+          </a:prstGeom>
+          <a:noFill/>
+        </p:spPr>
+        <p:txBody>
+          <a:bodyPr wrap="none" rtlCol="0">
+            <a:spAutoFit/>
+          </a:bodyPr>
+          <a:lstStyle/>
+          <a:p>
+            <a:r>
+              <a:rPr lang="en-US" altLang="ko-KR" sz="3600" dirty="0" smtClean="0">
+                <a:ln>
+                  <a:solidFill>
+                    <a:schemeClr val="bg1">
+                      <a:alpha val="0"/>
+                    </a:schemeClr>
+                  </a:solidFill>
+                </a:ln>
+                <a:solidFill>
+                  <a:schemeClr val="accent6">
+                    <a:lumMod val="50000"/>
+                  </a:schemeClr>
+                </a:solidFill>
+                <a:latin typeface="-윤고딕330" pitchFamily="18" charset="-127"/>
+                <a:ea typeface="-윤고딕330" pitchFamily="18" charset="-127"/>
+              </a:rPr>
+              <a:t>3.2 </a:t>
+            </a:r>
+            <a:r>
+              <a:rPr lang="ko-KR" altLang="en-US" sz="3600" dirty="0" smtClean="0">
+                <a:ln>
+                  <a:solidFill>
+                    <a:schemeClr val="bg1">
+                      <a:alpha val="0"/>
+                    </a:schemeClr>
+                  </a:solidFill>
+                </a:ln>
+                <a:solidFill>
+                  <a:schemeClr val="accent6">
+                    <a:lumMod val="50000"/>
+                  </a:schemeClr>
+                </a:solidFill>
+                <a:latin typeface="-윤고딕330" pitchFamily="18" charset="-127"/>
+                <a:ea typeface="-윤고딕330" pitchFamily="18" charset="-127"/>
+              </a:rPr>
+              <a:t>홍보</a:t>
+            </a:r>
+            <a:r>
+              <a:rPr lang="en-US" altLang="ko-KR" sz="3600" dirty="0" smtClean="0">
+                <a:ln>
+                  <a:solidFill>
+                    <a:schemeClr val="bg1">
+                      <a:alpha val="0"/>
+                    </a:schemeClr>
+                  </a:solidFill>
+                </a:ln>
+                <a:solidFill>
+                  <a:schemeClr val="accent6">
+                    <a:lumMod val="50000"/>
+                  </a:schemeClr>
+                </a:solidFill>
+                <a:latin typeface="-윤고딕330" pitchFamily="18" charset="-127"/>
+                <a:ea typeface="-윤고딕330" pitchFamily="18" charset="-127"/>
+              </a:rPr>
+              <a:t>/</a:t>
+            </a:r>
+            <a:r>
+              <a:rPr lang="ko-KR" altLang="en-US" sz="3600" dirty="0" smtClean="0">
+                <a:ln>
+                  <a:solidFill>
+                    <a:schemeClr val="bg1">
+                      <a:alpha val="0"/>
+                    </a:schemeClr>
+                  </a:solidFill>
+                </a:ln>
+                <a:solidFill>
+                  <a:schemeClr val="accent6">
+                    <a:lumMod val="50000"/>
+                  </a:schemeClr>
+                </a:solidFill>
+                <a:latin typeface="-윤고딕330" pitchFamily="18" charset="-127"/>
+                <a:ea typeface="-윤고딕330" pitchFamily="18" charset="-127"/>
+              </a:rPr>
+              <a:t>영업</a:t>
+            </a:r>
+            <a:r>
+              <a:rPr lang="en-US" altLang="ko-KR" sz="3600" dirty="0" smtClean="0">
+                <a:ln>
+                  <a:solidFill>
+                    <a:schemeClr val="bg1">
+                      <a:alpha val="0"/>
+                    </a:schemeClr>
+                  </a:solidFill>
+                </a:ln>
+                <a:solidFill>
+                  <a:schemeClr val="accent6">
+                    <a:lumMod val="50000"/>
+                  </a:schemeClr>
+                </a:solidFill>
+                <a:latin typeface="-윤고딕330" pitchFamily="18" charset="-127"/>
+                <a:ea typeface="-윤고딕330" pitchFamily="18" charset="-127"/>
+              </a:rPr>
+              <a:t>/</a:t>
+            </a:r>
+            <a:r>
+              <a:rPr lang="ko-KR" altLang="en-US" sz="3600" dirty="0" smtClean="0">
+                <a:ln>
+                  <a:solidFill>
+                    <a:schemeClr val="bg1">
+                      <a:alpha val="0"/>
+                    </a:schemeClr>
+                  </a:solidFill>
+                </a:ln>
+                <a:solidFill>
+                  <a:schemeClr val="accent6">
+                    <a:lumMod val="50000"/>
+                  </a:schemeClr>
+                </a:solidFill>
+                <a:latin typeface="-윤고딕330" pitchFamily="18" charset="-127"/>
+                <a:ea typeface="-윤고딕330" pitchFamily="18" charset="-127"/>
+              </a:rPr>
+              <a:t>마케팅 협력 방안</a:t>
+            </a:r>
+            <a:endParaRPr lang="ko-KR" altLang="en-US" sz="2000" dirty="0">
+              <a:ln>
+                <a:solidFill>
+                  <a:schemeClr val="bg1">
+                    <a:alpha val="0"/>
+                  </a:schemeClr>
+                </a:solidFill>
+              </a:ln>
+              <a:solidFill>
+                <a:schemeClr val="accent6">
+                  <a:lumMod val="50000"/>
+                </a:schemeClr>
+              </a:solidFill>
+              <a:latin typeface="-윤고딕330" pitchFamily="18" charset="-127"/>
+              <a:ea typeface="-윤고딕330" pitchFamily="18" charset="-127"/>
+            </a:endParaRPr>
+          </a:p>
+        </p:txBody>
+      </p:sp>
+      <p:sp>
+        <p:nvSpPr>
+          <p:cNvPr id="6" name="TextBox 5"/>
+          <p:cNvSpPr txBox="1"/>
+          <p:nvPr/>
+        </p:nvSpPr>
+        <p:spPr>
+          <a:xfrm>
+            <a:off x="827584" y="2276872"/>
+            <a:ext cx="2880320" cy="2554545"/>
+          </a:xfrm>
+          <a:prstGeom prst="rect">
+            <a:avLst/>
+          </a:prstGeom>
+          <a:noFill/>
+        </p:spPr>
+        <p:txBody>
+          <a:bodyPr wrap="square" rtlCol="0">
+            <a:spAutoFit/>
+          </a:bodyPr>
+          <a:lstStyle/>
+          <a:p>
+            <a:pPr marL="285750" indent="-285750">
+              <a:lnSpc>
+                <a:spcPct val="200000"/>
+              </a:lnSpc>
+              <a:buFont typeface="Arial" pitchFamily="34" charset="0"/>
+              <a:buChar char="•"/>
+            </a:pPr>
+            <a:r>
+              <a:rPr lang="ko-KR" altLang="en-US" sz="2000" dirty="0" smtClean="0">
+                <a:solidFill>
+                  <a:schemeClr val="accent6">
+                    <a:lumMod val="50000"/>
+                  </a:schemeClr>
+                </a:solidFill>
+              </a:rPr>
+              <a:t>영상매체</a:t>
+            </a:r>
+            <a:endParaRPr lang="en-US" altLang="ko-KR" sz="2000" dirty="0" smtClean="0">
+              <a:solidFill>
+                <a:schemeClr val="accent6">
+                  <a:lumMod val="50000"/>
+                </a:schemeClr>
+              </a:solidFill>
+            </a:endParaRPr>
+          </a:p>
+          <a:p>
+            <a:pPr marL="285750" indent="-285750">
+              <a:lnSpc>
+                <a:spcPct val="200000"/>
+              </a:lnSpc>
+              <a:buFont typeface="Arial" pitchFamily="34" charset="0"/>
+              <a:buChar char="•"/>
+            </a:pPr>
+            <a:r>
+              <a:rPr lang="ko-KR" altLang="en-US" sz="2000" dirty="0" smtClean="0">
+                <a:solidFill>
+                  <a:schemeClr val="accent6">
+                    <a:lumMod val="50000"/>
+                  </a:schemeClr>
+                </a:solidFill>
+              </a:rPr>
+              <a:t>잡</a:t>
+            </a:r>
+            <a:r>
+              <a:rPr lang="ko-KR" altLang="en-US" sz="2000" dirty="0" smtClean="0">
+                <a:solidFill>
+                  <a:schemeClr val="accent6">
+                    <a:lumMod val="50000"/>
+                  </a:schemeClr>
+                </a:solidFill>
+              </a:rPr>
+              <a:t>지</a:t>
+            </a:r>
+            <a:endParaRPr lang="en-US" altLang="ko-KR" sz="2000" dirty="0" smtClean="0">
+              <a:solidFill>
+                <a:schemeClr val="accent6">
+                  <a:lumMod val="50000"/>
+                </a:schemeClr>
+              </a:solidFill>
+            </a:endParaRPr>
+          </a:p>
+          <a:p>
+            <a:pPr marL="285750" indent="-285750">
+              <a:lnSpc>
+                <a:spcPct val="200000"/>
+              </a:lnSpc>
+              <a:buFont typeface="Arial" pitchFamily="34" charset="0"/>
+              <a:buChar char="•"/>
+            </a:pPr>
+            <a:r>
+              <a:rPr lang="ko-KR" altLang="en-US" sz="2000" dirty="0" smtClean="0">
+                <a:solidFill>
+                  <a:schemeClr val="accent6">
+                    <a:lumMod val="50000"/>
+                  </a:schemeClr>
+                </a:solidFill>
+              </a:rPr>
+              <a:t>인터넷</a:t>
+            </a:r>
+            <a:endParaRPr lang="en-US" altLang="ko-KR" sz="2000" dirty="0" smtClean="0">
+              <a:solidFill>
+                <a:schemeClr val="accent6">
+                  <a:lumMod val="50000"/>
+                </a:schemeClr>
+              </a:solidFill>
+            </a:endParaRPr>
+          </a:p>
+          <a:p>
+            <a:pPr marL="285750" indent="-285750">
+              <a:lnSpc>
+                <a:spcPct val="200000"/>
+              </a:lnSpc>
+              <a:buFont typeface="Arial" pitchFamily="34" charset="0"/>
+              <a:buChar char="•"/>
+            </a:pPr>
+            <a:r>
+              <a:rPr lang="ko-KR" altLang="en-US" sz="2000" dirty="0" smtClean="0">
+                <a:solidFill>
+                  <a:schemeClr val="accent6">
+                    <a:lumMod val="50000"/>
+                  </a:schemeClr>
+                </a:solidFill>
+              </a:rPr>
+              <a:t>오프라</a:t>
+            </a:r>
+            <a:r>
+              <a:rPr lang="ko-KR" altLang="en-US" sz="2000" dirty="0" smtClean="0">
+                <a:solidFill>
+                  <a:schemeClr val="accent6">
+                    <a:lumMod val="50000"/>
+                  </a:schemeClr>
+                </a:solidFill>
+              </a:rPr>
+              <a:t>인</a:t>
+            </a:r>
+            <a:endParaRPr lang="en-US" altLang="ko-KR" sz="2000" dirty="0" smtClean="0">
+              <a:solidFill>
+                <a:schemeClr val="accent6">
+                  <a:lumMod val="50000"/>
+                </a:schemeClr>
+              </a:solidFill>
+            </a:endParaRPr>
+          </a:p>
+        </p:txBody>
+      </p:sp>
+      <p:sp>
+        <p:nvSpPr>
+          <p:cNvPr id="7" name="TextBox 6"/>
+          <p:cNvSpPr txBox="1"/>
+          <p:nvPr/>
+        </p:nvSpPr>
+        <p:spPr>
+          <a:xfrm>
+            <a:off x="5039544" y="1816107"/>
+            <a:ext cx="4104456" cy="5041893"/>
+          </a:xfrm>
+          <a:prstGeom prst="rect">
+            <a:avLst/>
+          </a:prstGeom>
+          <a:noFill/>
+        </p:spPr>
+        <p:txBody>
+          <a:bodyPr wrap="square" rtlCol="0">
+            <a:spAutoFit/>
+          </a:bodyPr>
+          <a:lstStyle/>
+          <a:p>
+            <a:pPr marL="285750" indent="-285750">
+              <a:lnSpc>
+                <a:spcPct val="200000"/>
+              </a:lnSpc>
+              <a:buFont typeface="Arial" pitchFamily="34" charset="0"/>
+              <a:buChar char="•"/>
+            </a:pPr>
+            <a:r>
+              <a:rPr lang="ko-KR" altLang="en-US" dirty="0" smtClean="0">
+                <a:solidFill>
+                  <a:schemeClr val="accent6">
+                    <a:lumMod val="50000"/>
+                  </a:schemeClr>
+                </a:solidFill>
+              </a:rPr>
+              <a:t>인기 드라마 혹은 영화</a:t>
+            </a:r>
+            <a:r>
+              <a:rPr lang="ko-KR" altLang="en-US" dirty="0" smtClean="0">
+                <a:solidFill>
+                  <a:schemeClr val="accent6">
+                    <a:lumMod val="50000"/>
+                  </a:schemeClr>
+                </a:solidFill>
+              </a:rPr>
+              <a:t>의</a:t>
+            </a:r>
+            <a:r>
+              <a:rPr lang="ko-KR" altLang="en-US" dirty="0" smtClean="0">
+                <a:solidFill>
+                  <a:schemeClr val="accent6">
+                    <a:lumMod val="50000"/>
+                  </a:schemeClr>
+                </a:solidFill>
+              </a:rPr>
+              <a:t> </a:t>
+            </a:r>
+            <a:r>
+              <a:rPr lang="en-US" altLang="ko-KR" dirty="0" smtClean="0">
+                <a:solidFill>
+                  <a:srgbClr val="925F0C"/>
+                </a:solidFill>
+              </a:rPr>
+              <a:t>PPL(</a:t>
+            </a:r>
+            <a:r>
+              <a:rPr lang="en-US" altLang="ko-KR" dirty="0" smtClean="0">
+                <a:solidFill>
+                  <a:srgbClr val="925F0C"/>
+                </a:solidFill>
+              </a:rPr>
+              <a:t>Product </a:t>
+            </a:r>
+            <a:r>
+              <a:rPr lang="en-US" altLang="ko-KR" dirty="0" smtClean="0">
+                <a:solidFill>
+                  <a:srgbClr val="925F0C"/>
+                </a:solidFill>
+              </a:rPr>
+              <a:t>Placement)</a:t>
+            </a:r>
+            <a:endParaRPr lang="en-US" altLang="ko-KR" dirty="0" smtClean="0">
+              <a:solidFill>
+                <a:schemeClr val="accent6">
+                  <a:lumMod val="50000"/>
+                </a:schemeClr>
+              </a:solidFill>
+            </a:endParaRPr>
+          </a:p>
+          <a:p>
+            <a:pPr marL="285750" indent="-285750">
+              <a:lnSpc>
+                <a:spcPct val="200000"/>
+              </a:lnSpc>
+              <a:buFont typeface="Arial" pitchFamily="34" charset="0"/>
+              <a:buChar char="•"/>
+            </a:pPr>
+            <a:r>
+              <a:rPr lang="ko-KR" altLang="en-US" dirty="0" smtClean="0">
+                <a:solidFill>
+                  <a:schemeClr val="accent6">
+                    <a:lumMod val="50000"/>
+                  </a:schemeClr>
+                </a:solidFill>
+              </a:rPr>
+              <a:t>대중교통 </a:t>
+            </a:r>
+            <a:r>
+              <a:rPr lang="en-US" altLang="ko-KR" dirty="0" smtClean="0">
+                <a:solidFill>
+                  <a:schemeClr val="accent6">
+                    <a:lumMod val="50000"/>
+                  </a:schemeClr>
+                </a:solidFill>
+              </a:rPr>
+              <a:t>TV </a:t>
+            </a:r>
+            <a:r>
+              <a:rPr lang="ko-KR" altLang="en-US" dirty="0" smtClean="0">
+                <a:solidFill>
+                  <a:schemeClr val="accent6">
+                    <a:lumMod val="50000"/>
+                  </a:schemeClr>
+                </a:solidFill>
+              </a:rPr>
+              <a:t>방송</a:t>
+            </a:r>
+            <a:endParaRPr lang="en-US" altLang="ko-KR" dirty="0" smtClean="0">
+              <a:solidFill>
+                <a:schemeClr val="accent6">
+                  <a:lumMod val="50000"/>
+                </a:schemeClr>
+              </a:solidFill>
+            </a:endParaRPr>
+          </a:p>
+          <a:p>
+            <a:pPr marL="285750" indent="-285750">
+              <a:lnSpc>
+                <a:spcPct val="200000"/>
+              </a:lnSpc>
+              <a:buFont typeface="Arial" pitchFamily="34" charset="0"/>
+              <a:buChar char="•"/>
+            </a:pPr>
+            <a:r>
+              <a:rPr lang="ko-KR" altLang="en-US" dirty="0" smtClean="0">
+                <a:solidFill>
+                  <a:schemeClr val="accent6">
+                    <a:lumMod val="50000"/>
+                  </a:schemeClr>
+                </a:solidFill>
+              </a:rPr>
+              <a:t>게임 잡지</a:t>
+            </a:r>
+            <a:endParaRPr lang="en-US" altLang="ko-KR" dirty="0" smtClean="0">
+              <a:solidFill>
+                <a:schemeClr val="accent6">
+                  <a:lumMod val="50000"/>
+                </a:schemeClr>
+              </a:solidFill>
+            </a:endParaRPr>
+          </a:p>
+          <a:p>
+            <a:pPr marL="285750" indent="-285750">
+              <a:lnSpc>
+                <a:spcPct val="200000"/>
+              </a:lnSpc>
+              <a:buFont typeface="Arial" pitchFamily="34" charset="0"/>
+              <a:buChar char="•"/>
+            </a:pPr>
+            <a:r>
+              <a:rPr lang="en-US" altLang="ko-KR" dirty="0" smtClean="0">
+                <a:solidFill>
+                  <a:schemeClr val="accent6">
+                    <a:lumMod val="50000"/>
+                  </a:schemeClr>
+                </a:solidFill>
+              </a:rPr>
+              <a:t>SNS </a:t>
+            </a:r>
+            <a:r>
+              <a:rPr lang="ko-KR" altLang="en-US" dirty="0" smtClean="0">
+                <a:solidFill>
+                  <a:schemeClr val="accent6">
+                    <a:lumMod val="50000"/>
+                  </a:schemeClr>
+                </a:solidFill>
+              </a:rPr>
+              <a:t>를 통한 광고 </a:t>
+            </a:r>
+            <a:endParaRPr lang="en-US" altLang="ko-KR" dirty="0" smtClean="0">
+              <a:solidFill>
+                <a:schemeClr val="accent6">
+                  <a:lumMod val="50000"/>
+                </a:schemeClr>
+              </a:solidFill>
+            </a:endParaRPr>
+          </a:p>
+          <a:p>
+            <a:pPr marL="285750" indent="-285750">
+              <a:lnSpc>
+                <a:spcPct val="200000"/>
+              </a:lnSpc>
+              <a:buFont typeface="Arial" pitchFamily="34" charset="0"/>
+              <a:buChar char="•"/>
+            </a:pPr>
+            <a:r>
+              <a:rPr lang="ko-KR" altLang="en-US" dirty="0" smtClean="0">
+                <a:solidFill>
+                  <a:schemeClr val="accent6">
+                    <a:lumMod val="50000"/>
+                  </a:schemeClr>
+                </a:solidFill>
+              </a:rPr>
+              <a:t>게임 웹진</a:t>
+            </a:r>
+            <a:endParaRPr lang="en-US" altLang="ko-KR" dirty="0" smtClean="0">
+              <a:solidFill>
+                <a:schemeClr val="accent6">
+                  <a:lumMod val="50000"/>
+                </a:schemeClr>
+              </a:solidFill>
+            </a:endParaRPr>
+          </a:p>
+          <a:p>
+            <a:pPr marL="285750" indent="-285750">
+              <a:lnSpc>
+                <a:spcPct val="200000"/>
+              </a:lnSpc>
+              <a:buFont typeface="Arial" pitchFamily="34" charset="0"/>
+              <a:buChar char="•"/>
+            </a:pPr>
+            <a:r>
+              <a:rPr lang="ko-KR" altLang="en-US" dirty="0" smtClean="0">
+                <a:solidFill>
+                  <a:schemeClr val="accent6">
+                    <a:lumMod val="50000"/>
+                  </a:schemeClr>
+                </a:solidFill>
+              </a:rPr>
+              <a:t>길거리 이벤트 </a:t>
+            </a:r>
+            <a:endParaRPr lang="en-US" altLang="ko-KR" dirty="0" smtClean="0">
+              <a:solidFill>
+                <a:schemeClr val="accent6">
+                  <a:lumMod val="50000"/>
+                </a:schemeClr>
+              </a:solidFill>
+            </a:endParaRPr>
+          </a:p>
+          <a:p>
+            <a:pPr marL="285750" indent="-285750">
+              <a:lnSpc>
+                <a:spcPct val="200000"/>
+              </a:lnSpc>
+              <a:buFont typeface="Arial" pitchFamily="34" charset="0"/>
+              <a:buChar char="•"/>
+            </a:pPr>
+            <a:r>
+              <a:rPr lang="ko-KR" altLang="en-US" dirty="0" smtClean="0">
+                <a:solidFill>
+                  <a:schemeClr val="accent6">
+                    <a:lumMod val="50000"/>
+                  </a:schemeClr>
+                </a:solidFill>
+              </a:rPr>
+              <a:t>베타 테스트</a:t>
+            </a:r>
+            <a:endParaRPr lang="en-US" altLang="ko-KR" dirty="0" smtClean="0">
+              <a:solidFill>
+                <a:schemeClr val="accent6">
+                  <a:lumMod val="50000"/>
+                </a:schemeClr>
+              </a:solidFill>
+            </a:endParaRPr>
+          </a:p>
+          <a:p>
+            <a:pPr marL="285750" indent="-285750">
+              <a:lnSpc>
+                <a:spcPct val="200000"/>
+              </a:lnSpc>
+              <a:buFont typeface="Arial" pitchFamily="34" charset="0"/>
+              <a:buChar char="•"/>
+            </a:pPr>
+            <a:endParaRPr lang="en-US" altLang="ko-KR" sz="2000" dirty="0" smtClean="0">
+              <a:solidFill>
+                <a:schemeClr val="accent6">
+                  <a:lumMod val="50000"/>
+                </a:schemeClr>
+              </a:solidFill>
+            </a:endParaRPr>
+          </a:p>
+        </p:txBody>
+      </p:sp>
+      <p:sp>
+        <p:nvSpPr>
+          <p:cNvPr id="8" name="오른쪽 화살표 7"/>
+          <p:cNvSpPr/>
+          <p:nvPr/>
+        </p:nvSpPr>
+        <p:spPr>
+          <a:xfrm>
+            <a:off x="2915816" y="3068960"/>
+            <a:ext cx="1728192" cy="864096"/>
+          </a:xfrm>
+          <a:prstGeom prst="rightArrow">
+            <a:avLst/>
+          </a:prstGeom>
+        </p:spPr>
+        <p:style>
+          <a:lnRef idx="0">
+            <a:schemeClr val="accent6"/>
+          </a:lnRef>
+          <a:fillRef idx="3">
+            <a:schemeClr val="accent6"/>
+          </a:fillRef>
+          <a:effectRef idx="3">
+            <a:schemeClr val="accent6"/>
+          </a:effectRef>
+          <a:fontRef idx="minor">
+            <a:schemeClr val="lt1"/>
+          </a:fontRef>
+        </p:style>
+        <p:txBody>
+          <a:bodyPr rtlCol="0" anchor="ctr"/>
+          <a:lstStyle/>
+          <a:p>
+            <a:pPr algn="ctr"/>
+            <a:endParaRPr lang="ko-KR" altLang="en-US"/>
+          </a:p>
+        </p:txBody>
+      </p:sp>
+    </p:spTree>
   </p:cSld>
   <p:clrMapOvr>
     <a:masterClrMapping/>
@@ -5091,54 +6570,224 @@
           <a:chExt cx="0" cy="0"/>
         </a:xfrm>
       </p:grpSpPr>
-      <p:sp>
-        <p:nvSpPr>
-          <p:cNvPr id="4" name="슬라이드 번호 개체 틀 3"/>
-          <p:cNvSpPr>
-            <a:spLocks noGrp="1"/>
-          </p:cNvSpPr>
-          <p:nvPr>
-            <p:ph type="sldNum" sz="quarter" idx="12"/>
-          </p:nvPr>
-        </p:nvSpPr>
-        <p:spPr/>
-        <p:txBody>
-          <a:bodyPr/>
-          <a:lstStyle/>
-          <a:p>
-            <a:fld id="{6077AF18-BF2E-40A5-AFCC-D5AE0C2FE057}" type="slidenum">
-              <a:rPr lang="ko-KR" altLang="en-US" smtClean="0"/>
-              <a:pPr/>
-              <a:t>13</a:t>
-            </a:fld>
-            <a:endParaRPr lang="ko-KR" altLang="en-US" dirty="0"/>
-          </a:p>
-        </p:txBody>
-      </p:sp>
-      <p:sp>
-        <p:nvSpPr>
-          <p:cNvPr id="5" name="TextBox 4"/>
-          <p:cNvSpPr txBox="1"/>
+      <p:grpSp>
+        <p:nvGrpSpPr>
+          <p:cNvPr id="3" name="그룹 26"/>
+          <p:cNvGrpSpPr/>
           <p:nvPr/>
-        </p:nvSpPr>
-        <p:spPr>
+        </p:nvGrpSpPr>
+        <p:grpSpPr>
           <a:xfrm>
-            <a:off x="359869" y="332656"/>
-            <a:ext cx="1672253" cy="646331"/>
+            <a:off x="0" y="0"/>
+            <a:ext cx="9144000" cy="6858000"/>
+            <a:chOff x="0" y="0"/>
+            <a:chExt cx="9144000" cy="6858000"/>
           </a:xfrm>
-          <a:prstGeom prst="rect">
-            <a:avLst/>
-          </a:prstGeom>
-          <a:noFill/>
-        </p:spPr>
-        <p:txBody>
-          <a:bodyPr wrap="none" rtlCol="0">
-            <a:spAutoFit/>
-          </a:bodyPr>
-          <a:lstStyle/>
-          <a:p>
-            <a:r>
-              <a:rPr lang="en-US" altLang="ko-KR" sz="3600" dirty="0" smtClean="0">
+        </p:grpSpPr>
+        <p:cxnSp>
+          <p:nvCxnSpPr>
+            <p:cNvPr id="24" name="직선 연결선 23"/>
+            <p:cNvCxnSpPr/>
+            <p:nvPr/>
+          </p:nvCxnSpPr>
+          <p:spPr>
+            <a:xfrm>
+              <a:off x="4920165" y="5085184"/>
+              <a:ext cx="0" cy="1772816"/>
+            </a:xfrm>
+            <a:prstGeom prst="line">
+              <a:avLst/>
+            </a:prstGeom>
+            <a:ln>
+              <a:solidFill>
+                <a:schemeClr val="bg1">
+                  <a:lumMod val="85000"/>
+                </a:schemeClr>
+              </a:solidFill>
+            </a:ln>
+          </p:spPr>
+          <p:style>
+            <a:lnRef idx="1">
+              <a:schemeClr val="accent1"/>
+            </a:lnRef>
+            <a:fillRef idx="0">
+              <a:schemeClr val="accent1"/>
+            </a:fillRef>
+            <a:effectRef idx="0">
+              <a:schemeClr val="accent1"/>
+            </a:effectRef>
+            <a:fontRef idx="minor">
+              <a:schemeClr val="tx1"/>
+            </a:fontRef>
+          </p:style>
+        </p:cxnSp>
+        <p:cxnSp>
+          <p:nvCxnSpPr>
+            <p:cNvPr id="20" name="직선 연결선 19"/>
+            <p:cNvCxnSpPr/>
+            <p:nvPr/>
+          </p:nvCxnSpPr>
+          <p:spPr>
+            <a:xfrm>
+              <a:off x="0" y="4149080"/>
+              <a:ext cx="2987824" cy="0"/>
+            </a:xfrm>
+            <a:prstGeom prst="line">
+              <a:avLst/>
+            </a:prstGeom>
+            <a:ln>
+              <a:solidFill>
+                <a:schemeClr val="bg1">
+                  <a:lumMod val="85000"/>
+                </a:schemeClr>
+              </a:solidFill>
+            </a:ln>
+          </p:spPr>
+          <p:style>
+            <a:lnRef idx="1">
+              <a:schemeClr val="accent1"/>
+            </a:lnRef>
+            <a:fillRef idx="0">
+              <a:schemeClr val="accent1"/>
+            </a:fillRef>
+            <a:effectRef idx="0">
+              <a:schemeClr val="accent1"/>
+            </a:effectRef>
+            <a:fontRef idx="minor">
+              <a:schemeClr val="tx1"/>
+            </a:fontRef>
+          </p:style>
+        </p:cxnSp>
+        <p:cxnSp>
+          <p:nvCxnSpPr>
+            <p:cNvPr id="18" name="직선 연결선 17"/>
+            <p:cNvCxnSpPr/>
+            <p:nvPr/>
+          </p:nvCxnSpPr>
+          <p:spPr>
+            <a:xfrm>
+              <a:off x="6156176" y="2697045"/>
+              <a:ext cx="2987824" cy="0"/>
+            </a:xfrm>
+            <a:prstGeom prst="line">
+              <a:avLst/>
+            </a:prstGeom>
+            <a:ln>
+              <a:solidFill>
+                <a:schemeClr val="bg1">
+                  <a:lumMod val="85000"/>
+                </a:schemeClr>
+              </a:solidFill>
+            </a:ln>
+          </p:spPr>
+          <p:style>
+            <a:lnRef idx="1">
+              <a:schemeClr val="accent1"/>
+            </a:lnRef>
+            <a:fillRef idx="0">
+              <a:schemeClr val="accent1"/>
+            </a:fillRef>
+            <a:effectRef idx="0">
+              <a:schemeClr val="accent1"/>
+            </a:effectRef>
+            <a:fontRef idx="minor">
+              <a:schemeClr val="tx1"/>
+            </a:fontRef>
+          </p:style>
+        </p:cxnSp>
+        <p:pic>
+          <p:nvPicPr>
+            <p:cNvPr id="2" name="그림 1"/>
+            <p:cNvPicPr>
+              <a:picLocks noChangeAspect="1"/>
+            </p:cNvPicPr>
+            <p:nvPr/>
+          </p:nvPicPr>
+          <p:blipFill>
+            <a:blip r:embed="rId2" cstate="print">
+              <a:extLst>
+                <a:ext uri="{28A0092B-C50C-407E-A947-70E740481C1C}">
+                  <a14:useLocalDpi xmlns="" xmlns:a14="http://schemas.microsoft.com/office/drawing/2010/main" val="0"/>
+                </a:ext>
+              </a:extLst>
+            </a:blip>
+            <a:stretch>
+              <a:fillRect/>
+            </a:stretch>
+          </p:blipFill>
+          <p:spPr>
+            <a:xfrm rot="1601709">
+              <a:off x="3132987" y="1989987"/>
+              <a:ext cx="2878027" cy="2878027"/>
+            </a:xfrm>
+            <a:prstGeom prst="rect">
+              <a:avLst/>
+            </a:prstGeom>
+          </p:spPr>
+        </p:pic>
+        <p:sp>
+          <p:nvSpPr>
+            <p:cNvPr id="14" name="TextBox 13"/>
+            <p:cNvSpPr txBox="1"/>
+            <p:nvPr/>
+          </p:nvSpPr>
+          <p:spPr>
+            <a:xfrm>
+              <a:off x="3653391" y="3383994"/>
+              <a:ext cx="1965603" cy="477054"/>
+            </a:xfrm>
+            <a:prstGeom prst="rect">
+              <a:avLst/>
+            </a:prstGeom>
+            <a:noFill/>
+          </p:spPr>
+          <p:txBody>
+            <a:bodyPr wrap="none" rtlCol="0">
+              <a:spAutoFit/>
+            </a:bodyPr>
+            <a:lstStyle/>
+            <a:p>
+              <a:r>
+                <a:rPr lang="en-US" altLang="ko-KR" sz="2500" dirty="0" smtClean="0">
+                  <a:ln>
+                    <a:solidFill>
+                      <a:schemeClr val="bg1">
+                        <a:alpha val="0"/>
+                      </a:schemeClr>
+                    </a:solidFill>
+                  </a:ln>
+                  <a:solidFill>
+                    <a:schemeClr val="tx1">
+                      <a:lumMod val="75000"/>
+                      <a:lumOff val="25000"/>
+                    </a:schemeClr>
+                  </a:solidFill>
+                  <a:latin typeface="-윤고딕330" pitchFamily="18" charset="-127"/>
+                  <a:ea typeface="-윤고딕330" pitchFamily="18" charset="-127"/>
+                </a:rPr>
+                <a:t>2. </a:t>
+              </a:r>
+              <a:r>
+                <a:rPr lang="ko-KR" altLang="en-US" sz="2500" dirty="0" smtClean="0">
+                  <a:ln>
+                    <a:solidFill>
+                      <a:schemeClr val="bg1">
+                        <a:alpha val="0"/>
+                      </a:schemeClr>
+                    </a:solidFill>
+                  </a:ln>
+                  <a:solidFill>
+                    <a:schemeClr val="tx1">
+                      <a:lumMod val="75000"/>
+                      <a:lumOff val="25000"/>
+                    </a:schemeClr>
+                  </a:solidFill>
+                  <a:latin typeface="-윤고딕330" pitchFamily="18" charset="-127"/>
+                  <a:ea typeface="-윤고딕330" pitchFamily="18" charset="-127"/>
+                </a:rPr>
+                <a:t>게임 목표</a:t>
+              </a:r>
+              <a:endParaRPr lang="ko-KR" altLang="en-US" sz="2500" dirty="0">
                 <a:ln>
                   <a:solidFill>
                     <a:schemeClr val="bg1">
@@ -5147,17 +6796,97 @@
                   </a:solidFill>
                 </a:ln>
                 <a:solidFill>
-                  <a:schemeClr val="accent6">
-                    <a:lumMod val="50000"/>
+                  <a:schemeClr val="tx1">
+                    <a:lumMod val="75000"/>
+                    <a:lumOff val="25000"/>
                   </a:schemeClr>
                 </a:solidFill>
                 <a:latin typeface="-윤고딕330" pitchFamily="18" charset="-127"/>
                 <a:ea typeface="-윤고딕330" pitchFamily="18" charset="-127"/>
-              </a:rPr>
-              <a:t>2. </a:t>
-            </a:r>
-            <a:r>
-              <a:rPr lang="ko-KR" altLang="en-US" sz="3600" dirty="0" smtClean="0">
+              </a:endParaRPr>
+            </a:p>
+          </p:txBody>
+        </p:sp>
+        <p:cxnSp>
+          <p:nvCxnSpPr>
+            <p:cNvPr id="21" name="직선 연결선 20"/>
+            <p:cNvCxnSpPr/>
+            <p:nvPr/>
+          </p:nvCxnSpPr>
+          <p:spPr>
+            <a:xfrm>
+              <a:off x="4247456" y="0"/>
+              <a:ext cx="0" cy="1700808"/>
+            </a:xfrm>
+            <a:prstGeom prst="line">
+              <a:avLst/>
+            </a:prstGeom>
+            <a:ln>
+              <a:solidFill>
+                <a:schemeClr val="bg1">
+                  <a:lumMod val="85000"/>
+                </a:schemeClr>
+              </a:solidFill>
+            </a:ln>
+          </p:spPr>
+          <p:style>
+            <a:lnRef idx="1">
+              <a:schemeClr val="accent1"/>
+            </a:lnRef>
+            <a:fillRef idx="0">
+              <a:schemeClr val="accent1"/>
+            </a:fillRef>
+            <a:effectRef idx="0">
+              <a:schemeClr val="accent1"/>
+            </a:effectRef>
+            <a:fontRef idx="minor">
+              <a:schemeClr val="tx1"/>
+            </a:fontRef>
+          </p:style>
+        </p:cxnSp>
+        <p:sp>
+          <p:nvSpPr>
+            <p:cNvPr id="26" name="TextBox 25"/>
+            <p:cNvSpPr txBox="1"/>
+            <p:nvPr/>
+          </p:nvSpPr>
+          <p:spPr>
+            <a:xfrm>
+              <a:off x="8436253" y="164890"/>
+              <a:ext cx="444352" cy="369332"/>
+            </a:xfrm>
+            <a:prstGeom prst="rect">
+              <a:avLst/>
+            </a:prstGeom>
+            <a:noFill/>
+          </p:spPr>
+          <p:txBody>
+            <a:bodyPr wrap="none" rtlCol="0">
+              <a:spAutoFit/>
+            </a:bodyPr>
+            <a:lstStyle/>
+            <a:p>
+              <a:r>
+                <a:rPr lang="en-US" altLang="ko-KR" dirty="0" smtClean="0">
+                  <a:ln>
+                    <a:solidFill>
+                      <a:schemeClr val="bg1">
+                        <a:alpha val="0"/>
+                      </a:schemeClr>
+                    </a:solidFill>
+                  </a:ln>
+                  <a:solidFill>
+                    <a:schemeClr val="tx1">
+                      <a:lumMod val="75000"/>
+                      <a:lumOff val="25000"/>
+                    </a:schemeClr>
+                  </a:solidFill>
+                  <a:latin typeface="-윤고딕330" pitchFamily="18" charset="-127"/>
+                  <a:ea typeface="-윤고딕330" pitchFamily="18" charset="-127"/>
+                </a:rPr>
+                <a:t>01</a:t>
+              </a:r>
+              <a:endParaRPr lang="ko-KR" altLang="en-US" sz="800" dirty="0">
                 <a:ln>
                   <a:solidFill>
                     <a:schemeClr val="bg1">
@@ -5166,35 +6895,24 @@
                   </a:solidFill>
                 </a:ln>
                 <a:solidFill>
-                  <a:schemeClr val="accent6">
-                    <a:lumMod val="50000"/>
+                  <a:schemeClr val="tx1">
+                    <a:lumMod val="75000"/>
+                    <a:lumOff val="25000"/>
                   </a:schemeClr>
                 </a:solidFill>
                 <a:latin typeface="-윤고딕330" pitchFamily="18" charset="-127"/>
                 <a:ea typeface="-윤고딕330" pitchFamily="18" charset="-127"/>
-              </a:rPr>
-              <a:t>목표</a:t>
-            </a:r>
-            <a:endParaRPr lang="ko-KR" altLang="en-US" sz="2000" dirty="0">
-              <a:ln>
-                <a:solidFill>
-                  <a:schemeClr val="bg1">
-                    <a:alpha val="0"/>
-                  </a:schemeClr>
-                </a:solidFill>
-              </a:ln>
-              <a:solidFill>
-                <a:schemeClr val="accent6">
-                  <a:lumMod val="50000"/>
-                </a:schemeClr>
-              </a:solidFill>
-              <a:latin typeface="-윤고딕330" pitchFamily="18" charset="-127"/>
-              <a:ea typeface="-윤고딕330" pitchFamily="18" charset="-127"/>
-            </a:endParaRPr>
-          </a:p>
-        </p:txBody>
-      </p:sp>
+              </a:endParaRPr>
+            </a:p>
+          </p:txBody>
+        </p:sp>
+      </p:grpSp>
     </p:spTree>
+    <p:extLst>
+      <p:ext uri="{BB962C8B-B14F-4D97-AF65-F5344CB8AC3E}">
+        <p14:creationId xmlns="" xmlns:p14="http://schemas.microsoft.com/office/powerpoint/2010/main" val="2619248131"/>
+      </p:ext>
+    </p:extLst>
   </p:cSld>
   <p:clrMapOvr>
     <a:masterClrMapping/>
@@ -5202,6 +6920,13 @@
   <p:transition spd="slow">
     <p:push dir="u"/>
   </p:transition>
+  <p:timing>
+    <p:tnLst>
+      <p:par>
+        <p:cTn id="1" dur="indefinite" restart="never" nodeType="tmRoot"/>
+      </p:par>
+    </p:tnLst>
+  </p:timing>
 </p:sld>
 </file>
 
@@ -5255,7 +6980,7 @@
         <p:spPr>
           <a:xfrm>
             <a:off x="359869" y="332656"/>
-            <a:ext cx="3640740" cy="646331"/>
+            <a:ext cx="1672253" cy="646331"/>
           </a:xfrm>
           <a:prstGeom prst="rect">
             <a:avLst/>
@@ -5285,7 +7010,7 @@
                 <a:latin typeface="-윤고딕330" pitchFamily="18" charset="-127"/>
                 <a:ea typeface="-윤고딕330" pitchFamily="18" charset="-127"/>
               </a:rPr>
-              <a:t>1.3 </a:t>
+              <a:t>2. </a:t>
             </a:r>
             <a:r>
               <a:rPr lang="ko-KR" altLang="en-US" sz="3600" dirty="0" smtClean="0">
@@ -5304,7 +7029,7 @@
                 <a:latin typeface="-윤고딕330" pitchFamily="18" charset="-127"/>
                 <a:ea typeface="-윤고딕330" pitchFamily="18" charset="-127"/>
               </a:rPr>
-              <a:t>소재 및 배경</a:t>
+              <a:t>목표</a:t>
             </a:r>
             <a:endParaRPr lang="ko-KR" altLang="en-US" sz="2000" dirty="0">
               <a:ln>
@@ -5765,6 +7490,137 @@
               <a:rPr lang="ko-KR" altLang="en-US" smtClean="0"/>
               <a:pPr/>
               <a:t>18</a:t>
+            </a:fld>
+            <a:endParaRPr lang="ko-KR" altLang="en-US" dirty="0"/>
+          </a:p>
+        </p:txBody>
+      </p:sp>
+      <p:sp>
+        <p:nvSpPr>
+          <p:cNvPr id="5" name="TextBox 4"/>
+          <p:cNvSpPr txBox="1"/>
+          <p:nvPr/>
+        </p:nvSpPr>
+        <p:spPr>
+          <a:xfrm>
+            <a:off x="359869" y="332656"/>
+            <a:ext cx="3640740" cy="646331"/>
+          </a:xfrm>
+          <a:prstGeom prst="rect">
+            <a:avLst/>
+          </a:prstGeom>
+          <a:noFill/>
+        </p:spPr>
+        <p:txBody>
+          <a:bodyPr wrap="none" rtlCol="0">
+            <a:spAutoFit/>
+          </a:bodyPr>
+          <a:lstStyle/>
+          <a:p>
+            <a:r>
+              <a:rPr lang="en-US" altLang="ko-KR" sz="3600" dirty="0" smtClean="0">
+                <a:ln>
+                  <a:solidFill>
+                    <a:schemeClr val="bg1">
+                      <a:alpha val="0"/>
+                    </a:schemeClr>
+                  </a:solidFill>
+                </a:ln>
+                <a:solidFill>
+                  <a:schemeClr val="accent6">
+                    <a:lumMod val="50000"/>
+                  </a:schemeClr>
+                </a:solidFill>
+                <a:latin typeface="-윤고딕330" pitchFamily="18" charset="-127"/>
+                <a:ea typeface="-윤고딕330" pitchFamily="18" charset="-127"/>
+              </a:rPr>
+              <a:t>1.3 </a:t>
+            </a:r>
+            <a:r>
+              <a:rPr lang="ko-KR" altLang="en-US" sz="3600" dirty="0" smtClean="0">
+                <a:ln>
+                  <a:solidFill>
+                    <a:schemeClr val="bg1">
+                      <a:alpha val="0"/>
+                    </a:schemeClr>
+                  </a:solidFill>
+                </a:ln>
+                <a:solidFill>
+                  <a:schemeClr val="accent6">
+                    <a:lumMod val="50000"/>
+                  </a:schemeClr>
+                </a:solidFill>
+                <a:latin typeface="-윤고딕330" pitchFamily="18" charset="-127"/>
+                <a:ea typeface="-윤고딕330" pitchFamily="18" charset="-127"/>
+              </a:rPr>
+              <a:t>소재 및 배경</a:t>
+            </a:r>
+            <a:endParaRPr lang="ko-KR" altLang="en-US" sz="2000" dirty="0">
+              <a:ln>
+                <a:solidFill>
+                  <a:schemeClr val="bg1">
+                    <a:alpha val="0"/>
+                  </a:schemeClr>
+                </a:solidFill>
+              </a:ln>
+              <a:solidFill>
+                <a:schemeClr val="accent6">
+                  <a:lumMod val="50000"/>
+                </a:schemeClr>
+              </a:solidFill>
+              <a:latin typeface="-윤고딕330" pitchFamily="18" charset="-127"/>
+              <a:ea typeface="-윤고딕330" pitchFamily="18" charset="-127"/>
+            </a:endParaRPr>
+          </a:p>
+        </p:txBody>
+      </p:sp>
+    </p:spTree>
+  </p:cSld>
+  <p:clrMapOvr>
+    <a:masterClrMapping/>
+  </p:clrMapOvr>
+  <p:transition spd="slow">
+    <p:push dir="u"/>
+  </p:transition>
+</p:sld>
+</file>
+
+<file path=ppt/slides/slide19.xml><?xml version="1.0" encoding="utf-8"?>
+<p:sld xmlns:a="http://schemas.openxmlformats.org/drawingml/2006/main" xmlns:r="http://schemas.openxmlformats.org/officeDocument/2006/relationships" xmlns:p="http://schemas.openxmlformats.org/presentationml/2006/main">
+  <p:cSld>
+    <p:spTree>
+      <p:nvGrpSpPr>
+        <p:cNvPr id="1" name=""/>
+        <p:cNvGrpSpPr/>
+        <p:nvPr/>
+      </p:nvGrpSpPr>
+      <p:grpSpPr>
+        <a:xfrm>
+          <a:off x="0" y="0"/>
+          <a:ext cx="0" cy="0"/>
+          <a:chOff x="0" y="0"/>
+          <a:chExt cx="0" cy="0"/>
+        </a:xfrm>
+      </p:grpSpPr>
+      <p:sp>
+        <p:nvSpPr>
+          <p:cNvPr id="4" name="슬라이드 번호 개체 틀 3"/>
+          <p:cNvSpPr>
+            <a:spLocks noGrp="1"/>
+          </p:cNvSpPr>
+          <p:nvPr>
+            <p:ph type="sldNum" sz="quarter" idx="12"/>
+          </p:nvPr>
+        </p:nvSpPr>
+        <p:spPr/>
+        <p:txBody>
+          <a:bodyPr/>
+          <a:lstStyle/>
+          <a:p>
+            <a:fld id="{6077AF18-BF2E-40A5-AFCC-D5AE0C2FE057}" type="slidenum">
+              <a:rPr lang="ko-KR" altLang="en-US" smtClean="0"/>
+              <a:pPr/>
+              <a:t>19</a:t>
             </a:fld>
             <a:endParaRPr lang="ko-KR" altLang="en-US" dirty="0"/>
           </a:p>
@@ -6131,27 +7987,7 @@
                 <a:latin typeface="-윤고딕330" pitchFamily="18" charset="-127"/>
                 <a:ea typeface="-윤고딕330" pitchFamily="18" charset="-127"/>
               </a:rPr>
-              <a:t>2</a:t>
-            </a:r>
-            <a:r>
-              <a:rPr lang="en-US" altLang="ko-KR" sz="2000" dirty="0" smtClean="0">
-                <a:ln>
-                  <a:solidFill>
-                    <a:schemeClr val="bg1">
-                      <a:alpha val="0"/>
-                    </a:schemeClr>
-                  </a:solidFill>
-                </a:ln>
-                <a:solidFill>
-                  <a:schemeClr val="tx1">
-                    <a:lumMod val="75000"/>
-                    <a:lumOff val="25000"/>
-                  </a:schemeClr>
-                </a:solidFill>
-                <a:latin typeface="-윤고딕330" pitchFamily="18" charset="-127"/>
-                <a:ea typeface="-윤고딕330" pitchFamily="18" charset="-127"/>
-              </a:rPr>
-              <a:t>. </a:t>
+              <a:t>2. </a:t>
             </a:r>
             <a:r>
               <a:rPr lang="ko-KR" altLang="en-US" sz="2000" dirty="0" smtClean="0">
@@ -7221,7 +9057,7 @@
     </p:spTree>
     <p:extLst>
       <p:ext uri="{BB962C8B-B14F-4D97-AF65-F5344CB8AC3E}">
-        <p14:creationId xmlns:p14="http://schemas.microsoft.com/office/powerpoint/2010/main" xmlns="" val="2378213369"/>
+        <p14:creationId xmlns="" xmlns:p14="http://schemas.microsoft.com/office/powerpoint/2010/main" val="2378213369"/>
       </p:ext>
     </p:extLst>
   </p:cSld>
@@ -7395,7 +9231,7 @@
             <a:blip r:embed="rId2" cstate="print">
               <a:extLst>
                 <a:ext uri="{28A0092B-C50C-407E-A947-70E740481C1C}">
-                  <a14:useLocalDpi xmlns:a14="http://schemas.microsoft.com/office/drawing/2010/main" xmlns="" val="0"/>
+                  <a14:useLocalDpi xmlns="" xmlns:a14="http://schemas.microsoft.com/office/drawing/2010/main" val="0"/>
                 </a:ext>
               </a:extLst>
             </a:blip>
@@ -7598,7 +9434,7 @@
     </p:spTree>
     <p:extLst>
       <p:ext uri="{BB962C8B-B14F-4D97-AF65-F5344CB8AC3E}">
-        <p14:creationId xmlns:p14="http://schemas.microsoft.com/office/powerpoint/2010/main" xmlns="" val="2619248131"/>
+        <p14:creationId xmlns="" xmlns:p14="http://schemas.microsoft.com/office/powerpoint/2010/main" val="2619248131"/>
       </p:ext>
     </p:extLst>
   </p:cSld>
@@ -7772,7 +9608,7 @@
             <a:blip r:embed="rId2" cstate="print">
               <a:extLst>
                 <a:ext uri="{28A0092B-C50C-407E-A947-70E740481C1C}">
-                  <a14:useLocalDpi xmlns:a14="http://schemas.microsoft.com/office/drawing/2010/main" xmlns="" val="0"/>
+                  <a14:useLocalDpi xmlns="" xmlns:a14="http://schemas.microsoft.com/office/drawing/2010/main" val="0"/>
                 </a:ext>
               </a:extLst>
             </a:blip>
@@ -7975,7 +9811,7 @@
     </p:spTree>
     <p:extLst>
       <p:ext uri="{BB962C8B-B14F-4D97-AF65-F5344CB8AC3E}">
-        <p14:creationId xmlns:p14="http://schemas.microsoft.com/office/powerpoint/2010/main" xmlns="" val="2619248131"/>
+        <p14:creationId xmlns="" xmlns:p14="http://schemas.microsoft.com/office/powerpoint/2010/main" val="2619248131"/>
       </p:ext>
     </p:extLst>
   </p:cSld>
@@ -8038,7 +9874,7 @@
             <a:blip r:embed="rId2" cstate="print">
               <a:extLst>
                 <a:ext uri="{28A0092B-C50C-407E-A947-70E740481C1C}">
-                  <a14:useLocalDpi xmlns:a14="http://schemas.microsoft.com/office/drawing/2010/main" xmlns="" val="0"/>
+                  <a14:useLocalDpi xmlns="" xmlns:a14="http://schemas.microsoft.com/office/drawing/2010/main" val="0"/>
                 </a:ext>
               </a:extLst>
             </a:blip>
@@ -8095,26 +9931,7 @@
                   <a:latin typeface="-윤고딕330" pitchFamily="18" charset="-127"/>
                   <a:ea typeface="-윤고딕330" pitchFamily="18" charset="-127"/>
                 </a:rPr>
-                <a:t>2</a:t>
-              </a:r>
-              <a:r>
-                <a:rPr lang="en-US" altLang="ko-KR" sz="3600" dirty="0" smtClean="0">
-                  <a:ln>
-                    <a:solidFill>
-                      <a:schemeClr val="bg1">
-                        <a:alpha val="0"/>
-                      </a:schemeClr>
-                    </a:solidFill>
-                  </a:ln>
-                  <a:solidFill>
-                    <a:schemeClr val="accent6">
-                      <a:lumMod val="50000"/>
-                    </a:schemeClr>
-                  </a:solidFill>
-                  <a:latin typeface="-윤고딕330" pitchFamily="18" charset="-127"/>
-                  <a:ea typeface="-윤고딕330" pitchFamily="18" charset="-127"/>
-                </a:rPr>
-                <a:t>.1 </a:t>
+                <a:t>2.1 </a:t>
               </a:r>
               <a:r>
                 <a:rPr lang="ko-KR" altLang="en-US" sz="3600" dirty="0" err="1" smtClean="0">
@@ -8193,26 +10010,7 @@
                   <a:latin typeface="-윤고딕330" pitchFamily="18" charset="-127"/>
                   <a:ea typeface="-윤고딕330" pitchFamily="18" charset="-127"/>
                 </a:rPr>
-                <a:t>2</a:t>
-              </a:r>
-              <a:r>
-                <a:rPr lang="en-US" altLang="ko-KR" sz="3600" dirty="0" smtClean="0">
-                  <a:ln>
-                    <a:solidFill>
-                      <a:schemeClr val="bg1">
-                        <a:alpha val="0"/>
-                      </a:schemeClr>
-                    </a:solidFill>
-                  </a:ln>
-                  <a:solidFill>
-                    <a:schemeClr val="accent6">
-                      <a:lumMod val="50000"/>
-                    </a:schemeClr>
-                  </a:solidFill>
-                  <a:latin typeface="-윤고딕330" pitchFamily="18" charset="-127"/>
-                  <a:ea typeface="-윤고딕330" pitchFamily="18" charset="-127"/>
-                </a:rPr>
-                <a:t>.2 </a:t>
+                <a:t>2.2 </a:t>
               </a:r>
               <a:r>
                 <a:rPr lang="ko-KR" altLang="en-US" sz="3600" dirty="0" smtClean="0">
@@ -8330,17 +10128,7 @@
                   </a:schemeClr>
                 </a:solidFill>
               </a:rPr>
-              <a:t>(Tortuga Bay</a:t>
-            </a:r>
-            <a:r>
-              <a:rPr lang="en-US" altLang="ko-KR" sz="2000" dirty="0" smtClean="0">
-                <a:solidFill>
-                  <a:schemeClr val="accent6">
-                    <a:lumMod val="50000"/>
-                  </a:schemeClr>
-                </a:solidFill>
-              </a:rPr>
-              <a:t>)</a:t>
+              <a:t>(Tortuga Bay)</a:t>
             </a:r>
           </a:p>
           <a:p>
@@ -8431,13 +10219,6 @@
               </a:rPr>
               <a:t>’</a:t>
             </a:r>
-            <a:endParaRPr lang="en-US" altLang="ko-KR" sz="2000" dirty="0" smtClean="0">
-              <a:solidFill>
-                <a:schemeClr val="accent6">
-                  <a:lumMod val="50000"/>
-                </a:schemeClr>
-              </a:solidFill>
-            </a:endParaRPr>
           </a:p>
           <a:p>
             <a:pPr marL="285750" indent="-285750">
@@ -8504,42 +10285,25 @@
                   </a:schemeClr>
                 </a:solidFill>
               </a:rPr>
-              <a:t> </a:t>
-            </a:r>
-            <a:r>
-              <a:rPr lang="ko-KR" altLang="en-US" sz="2000" dirty="0" smtClean="0">
+              <a:t>  전략 시뮬레이션 </a:t>
+            </a:r>
+            <a:r>
+              <a:rPr lang="en-US" altLang="ko-KR" sz="2000" dirty="0" smtClean="0">
                 <a:solidFill>
                   <a:schemeClr val="accent6">
                     <a:lumMod val="50000"/>
                   </a:schemeClr>
                 </a:solidFill>
               </a:rPr>
-              <a:t> 전략 시뮬레이션 </a:t>
-            </a:r>
-            <a:r>
-              <a:rPr lang="en-US" altLang="ko-KR" sz="2000" dirty="0" smtClean="0">
-                <a:solidFill>
-                  <a:schemeClr val="accent6">
-                    <a:lumMod val="50000"/>
-                  </a:schemeClr>
-                </a:solidFill>
-              </a:rPr>
               <a:t>RPG</a:t>
             </a:r>
-            <a:endParaRPr lang="en-US" altLang="ko-KR" sz="2000" dirty="0" smtClean="0">
-              <a:solidFill>
-                <a:schemeClr val="accent6">
-                  <a:lumMod val="50000"/>
-                </a:schemeClr>
-              </a:solidFill>
-            </a:endParaRPr>
           </a:p>
         </p:txBody>
       </p:sp>
     </p:spTree>
     <p:extLst>
       <p:ext uri="{BB962C8B-B14F-4D97-AF65-F5344CB8AC3E}">
-        <p14:creationId xmlns:p14="http://schemas.microsoft.com/office/powerpoint/2010/main" xmlns="" val="527779912"/>
+        <p14:creationId xmlns="" xmlns:p14="http://schemas.microsoft.com/office/powerpoint/2010/main" val="527779912"/>
       </p:ext>
     </p:extLst>
   </p:cSld>
@@ -8602,7 +10366,7 @@
             <a:blip r:embed="rId2" cstate="print">
               <a:extLst>
                 <a:ext uri="{28A0092B-C50C-407E-A947-70E740481C1C}">
-                  <a14:useLocalDpi xmlns:a14="http://schemas.microsoft.com/office/drawing/2010/main" xmlns="" val="0"/>
+                  <a14:useLocalDpi xmlns="" xmlns:a14="http://schemas.microsoft.com/office/drawing/2010/main" val="0"/>
                 </a:ext>
               </a:extLst>
             </a:blip>
@@ -8659,26 +10423,7 @@
                   <a:latin typeface="-윤고딕330" pitchFamily="18" charset="-127"/>
                   <a:ea typeface="-윤고딕330" pitchFamily="18" charset="-127"/>
                 </a:rPr>
-                <a:t>2</a:t>
-              </a:r>
-              <a:r>
-                <a:rPr lang="en-US" altLang="ko-KR" sz="3600" dirty="0" smtClean="0">
-                  <a:ln>
-                    <a:solidFill>
-                      <a:schemeClr val="bg1">
-                        <a:alpha val="0"/>
-                      </a:schemeClr>
-                    </a:solidFill>
-                  </a:ln>
-                  <a:solidFill>
-                    <a:schemeClr val="accent6">
-                      <a:lumMod val="50000"/>
-                    </a:schemeClr>
-                  </a:solidFill>
-                  <a:latin typeface="-윤고딕330" pitchFamily="18" charset="-127"/>
-                  <a:ea typeface="-윤고딕330" pitchFamily="18" charset="-127"/>
-                </a:rPr>
-                <a:t>.1 </a:t>
+                <a:t>2.1 </a:t>
               </a:r>
               <a:r>
                 <a:rPr lang="ko-KR" altLang="en-US" sz="3600" dirty="0" smtClean="0">
@@ -8796,35 +10541,18 @@
                   </a:schemeClr>
                 </a:solidFill>
               </a:rPr>
-              <a:t> 즐길 수 있도록 기능을 </a:t>
-            </a:r>
-            <a:r>
-              <a:rPr lang="ko-KR" altLang="en-US" sz="2000" dirty="0" smtClean="0">
+              <a:t> 즐길 수 있도록 기능을 추가</a:t>
+            </a:r>
+            <a:r>
+              <a:rPr lang="en-US" altLang="ko-KR" sz="2000" dirty="0" smtClean="0">
                 <a:solidFill>
                   <a:schemeClr val="accent6">
                     <a:lumMod val="50000"/>
                   </a:schemeClr>
                 </a:solidFill>
               </a:rPr>
-              <a:t>추가</a:t>
-            </a:r>
-            <a:r>
-              <a:rPr lang="en-US" altLang="ko-KR" sz="2000" dirty="0" smtClean="0">
-                <a:solidFill>
-                  <a:schemeClr val="accent6">
-                    <a:lumMod val="50000"/>
-                  </a:schemeClr>
-                </a:solidFill>
-              </a:rPr>
               <a:t>.</a:t>
             </a:r>
-            <a:endParaRPr lang="en-US" altLang="ko-KR" sz="2000" dirty="0" smtClean="0">
-              <a:solidFill>
-                <a:schemeClr val="accent6">
-                  <a:lumMod val="50000"/>
-                </a:schemeClr>
-              </a:solidFill>
-            </a:endParaRPr>
           </a:p>
           <a:p>
             <a:pPr marL="285750" indent="-285750">
@@ -8981,20 +10709,13 @@
               </a:rPr>
               <a:t>.</a:t>
             </a:r>
-            <a:endParaRPr lang="en-US" altLang="ko-KR" sz="2000" dirty="0" smtClean="0">
-              <a:solidFill>
-                <a:schemeClr val="accent6">
-                  <a:lumMod val="50000"/>
-                </a:schemeClr>
-              </a:solidFill>
-            </a:endParaRPr>
           </a:p>
         </p:txBody>
       </p:sp>
     </p:spTree>
     <p:extLst>
       <p:ext uri="{BB962C8B-B14F-4D97-AF65-F5344CB8AC3E}">
-        <p14:creationId xmlns:p14="http://schemas.microsoft.com/office/powerpoint/2010/main" xmlns="" val="527779912"/>
+        <p14:creationId xmlns="" xmlns:p14="http://schemas.microsoft.com/office/powerpoint/2010/main" val="527779912"/>
       </p:ext>
     </p:extLst>
   </p:cSld>
@@ -9495,18 +11216,7 @@
                   </a:schemeClr>
                 </a:solidFill>
               </a:rPr>
-              <a:t> </a:t>
-            </a:r>
-            <a:r>
-              <a:rPr lang="ko-KR" altLang="en-US" sz="2000" b="1" dirty="0" smtClean="0">
-                <a:solidFill>
-                  <a:schemeClr val="tx1">
-                    <a:lumMod val="75000"/>
-                    <a:lumOff val="25000"/>
-                  </a:schemeClr>
-                </a:solidFill>
-              </a:rPr>
-              <a:t>한 편의 소설을 읽는 듯한 게임 전개</a:t>
+              <a:t> 한 편의 소설을 읽는 듯한 게임 전개</a:t>
             </a:r>
             <a:endParaRPr lang="ko-KR" altLang="en-US" sz="2000" b="1" dirty="0">
               <a:solidFill>
@@ -10094,17 +11804,7 @@
                   </a:schemeClr>
                 </a:solidFill>
               </a:rPr>
-              <a:t>4</a:t>
-            </a:r>
-            <a:r>
-              <a:rPr lang="en-US" altLang="ko-KR" sz="2000" dirty="0" smtClean="0">
-                <a:solidFill>
-                  <a:schemeClr val="accent6">
-                    <a:lumMod val="50000"/>
-                  </a:schemeClr>
-                </a:solidFill>
-              </a:rPr>
-              <a:t>. </a:t>
+              <a:t>4. </a:t>
             </a:r>
             <a:r>
               <a:rPr lang="ko-KR" altLang="en-US" sz="2000" dirty="0" smtClean="0">
@@ -10140,17 +11840,7 @@
                   </a:schemeClr>
                 </a:solidFill>
               </a:rPr>
-              <a:t>5</a:t>
-            </a:r>
-            <a:r>
-              <a:rPr lang="en-US" altLang="ko-KR" sz="2000" dirty="0" smtClean="0">
-                <a:solidFill>
-                  <a:schemeClr val="accent6">
-                    <a:lumMod val="50000"/>
-                  </a:schemeClr>
-                </a:solidFill>
-              </a:rPr>
-              <a:t>. </a:t>
+              <a:t>5. </a:t>
             </a:r>
             <a:r>
               <a:rPr lang="ko-KR" altLang="en-US" sz="2000" dirty="0" smtClean="0">
@@ -10186,17 +11876,7 @@
                   </a:schemeClr>
                 </a:solidFill>
               </a:rPr>
-              <a:t>6</a:t>
-            </a:r>
-            <a:r>
-              <a:rPr lang="en-US" altLang="ko-KR" sz="2000" dirty="0" smtClean="0">
-                <a:solidFill>
-                  <a:schemeClr val="accent6">
-                    <a:lumMod val="50000"/>
-                  </a:schemeClr>
-                </a:solidFill>
-              </a:rPr>
-              <a:t>. </a:t>
+              <a:t>6. </a:t>
             </a:r>
             <a:r>
               <a:rPr lang="ko-KR" altLang="en-US" sz="2000" dirty="0" smtClean="0">
@@ -10232,17 +11912,7 @@
                   </a:schemeClr>
                 </a:solidFill>
               </a:rPr>
-              <a:t>7</a:t>
-            </a:r>
-            <a:r>
-              <a:rPr lang="en-US" altLang="ko-KR" sz="2000" dirty="0" smtClean="0">
-                <a:solidFill>
-                  <a:schemeClr val="accent6">
-                    <a:lumMod val="50000"/>
-                  </a:schemeClr>
-                </a:solidFill>
-              </a:rPr>
-              <a:t>. </a:t>
+              <a:t>7. </a:t>
             </a:r>
             <a:r>
               <a:rPr lang="ko-KR" altLang="en-US" sz="2000" dirty="0" smtClean="0">
@@ -10373,65 +12043,48 @@
                   </a:schemeClr>
                 </a:solidFill>
               </a:rPr>
-              <a:t>10</a:t>
-            </a:r>
-            <a:r>
-              <a:rPr lang="en-US" altLang="ko-KR" sz="2000" dirty="0" smtClean="0">
+              <a:t>10. </a:t>
+            </a:r>
+            <a:r>
+              <a:rPr lang="ko-KR" altLang="en-US" sz="2000" dirty="0" smtClean="0">
                 <a:solidFill>
                   <a:schemeClr val="accent6">
                     <a:lumMod val="50000"/>
                   </a:schemeClr>
                 </a:solidFill>
               </a:rPr>
-              <a:t>. </a:t>
-            </a:r>
-            <a:r>
-              <a:rPr lang="ko-KR" altLang="en-US" sz="2000" dirty="0" smtClean="0">
+              <a:t>거래</a:t>
+            </a:r>
+            <a:r>
+              <a:rPr lang="en-US" altLang="ko-KR" sz="2000" dirty="0" smtClean="0">
                 <a:solidFill>
                   <a:schemeClr val="accent6">
                     <a:lumMod val="50000"/>
                   </a:schemeClr>
                 </a:solidFill>
               </a:rPr>
-              <a:t>거래</a:t>
-            </a:r>
-            <a:r>
-              <a:rPr lang="en-US" altLang="ko-KR" sz="2000" dirty="0" smtClean="0">
+              <a:t>(</a:t>
+            </a:r>
+            <a:r>
+              <a:rPr lang="ko-KR" altLang="en-US" sz="2000" dirty="0" smtClean="0">
                 <a:solidFill>
                   <a:schemeClr val="accent6">
                     <a:lumMod val="50000"/>
                   </a:schemeClr>
                 </a:solidFill>
               </a:rPr>
-              <a:t>(</a:t>
-            </a:r>
-            <a:r>
-              <a:rPr lang="ko-KR" altLang="en-US" sz="2000" dirty="0" smtClean="0">
+              <a:t>무역</a:t>
+            </a:r>
+            <a:r>
+              <a:rPr lang="en-US" altLang="ko-KR" sz="2000" dirty="0" smtClean="0">
                 <a:solidFill>
                   <a:schemeClr val="accent6">
                     <a:lumMod val="50000"/>
                   </a:schemeClr>
                 </a:solidFill>
               </a:rPr>
-              <a:t>무역</a:t>
-            </a:r>
-            <a:r>
-              <a:rPr lang="en-US" altLang="ko-KR" sz="2000" dirty="0" smtClean="0">
-                <a:solidFill>
-                  <a:schemeClr val="accent6">
-                    <a:lumMod val="50000"/>
-                  </a:schemeClr>
-                </a:solidFill>
-              </a:rPr>
               <a:t>)</a:t>
             </a:r>
-            <a:endParaRPr lang="en-US" altLang="ko-KR" sz="2000" dirty="0" smtClean="0">
-              <a:solidFill>
-                <a:schemeClr val="accent6">
-                  <a:lumMod val="50000"/>
-                </a:schemeClr>
-              </a:solidFill>
-            </a:endParaRPr>
           </a:p>
           <a:p>
             <a:pPr marL="285750" indent="-285750">
